--- a/images/theory_analysis/Linux_BPF/Linux_BPF_XDP.pptx
+++ b/images/theory_analysis/Linux_BPF/Linux_BPF_XDP.pptx
@@ -5,11 +5,12 @@
     <p:sldMasterId id="2147483648" r:id="rId1"/>
   </p:sldMasterIdLst>
   <p:notesMasterIdLst>
-    <p:notesMasterId r:id="rId4"/>
+    <p:notesMasterId r:id="rId5"/>
   </p:notesMasterIdLst>
   <p:sldIdLst>
     <p:sldId id="391" r:id="rId2"/>
-    <p:sldId id="392" r:id="rId3"/>
+    <p:sldId id="393" r:id="rId3"/>
+    <p:sldId id="392" r:id="rId4"/>
   </p:sldIdLst>
   <p:sldSz cx="9144000" cy="5143500" type="screen16x9"/>
   <p:notesSz cx="6858000" cy="9144000"/>
@@ -4694,6 +4695,90 @@
     </p:spTree>
     <p:extLst>
       <p:ext uri="{BB962C8B-B14F-4D97-AF65-F5344CB8AC3E}">
+        <p14:creationId xmlns:p14="http://schemas.microsoft.com/office/powerpoint/2010/main" val="2799356998"/>
+      </p:ext>
+    </p:extLst>
+  </p:cSld>
+  <p:clrMapOvr>
+    <a:masterClrMapping/>
+  </p:clrMapOvr>
+</p:notes>
+</file>
+
+<file path=ppt/notesSlides/notesSlide3.xml><?xml version="1.0" encoding="utf-8"?>
+<p:notes xmlns:a="http://schemas.openxmlformats.org/drawingml/2006/main" xmlns:r="http://schemas.openxmlformats.org/officeDocument/2006/relationships" xmlns:p="http://schemas.openxmlformats.org/presentationml/2006/main">
+  <p:cSld>
+    <p:spTree>
+      <p:nvGrpSpPr>
+        <p:cNvPr id="1" name=""/>
+        <p:cNvGrpSpPr/>
+        <p:nvPr/>
+      </p:nvGrpSpPr>
+      <p:grpSpPr>
+        <a:xfrm>
+          <a:off x="0" y="0"/>
+          <a:ext cx="0" cy="0"/>
+          <a:chOff x="0" y="0"/>
+          <a:chExt cx="0" cy="0"/>
+        </a:xfrm>
+      </p:grpSpPr>
+      <p:sp>
+        <p:nvSpPr>
+          <p:cNvPr id="2" name="슬라이드 이미지 개체 틀 1"/>
+          <p:cNvSpPr>
+            <a:spLocks noGrp="1" noRot="1" noChangeAspect="1"/>
+          </p:cNvSpPr>
+          <p:nvPr>
+            <p:ph type="sldImg"/>
+          </p:nvPr>
+        </p:nvSpPr>
+        <p:spPr/>
+      </p:sp>
+      <p:sp>
+        <p:nvSpPr>
+          <p:cNvPr id="3" name="슬라이드 노트 개체 틀 2"/>
+          <p:cNvSpPr>
+            <a:spLocks noGrp="1"/>
+          </p:cNvSpPr>
+          <p:nvPr>
+            <p:ph type="body" idx="1"/>
+          </p:nvPr>
+        </p:nvSpPr>
+        <p:spPr/>
+        <p:txBody>
+          <a:bodyPr/>
+          <a:lstStyle/>
+          <a:p>
+            <a:endParaRPr lang="ko-KR" altLang="en-US" dirty="0"/>
+          </a:p>
+        </p:txBody>
+      </p:sp>
+      <p:sp>
+        <p:nvSpPr>
+          <p:cNvPr id="4" name="슬라이드 번호 개체 틀 3"/>
+          <p:cNvSpPr>
+            <a:spLocks noGrp="1"/>
+          </p:cNvSpPr>
+          <p:nvPr>
+            <p:ph type="sldNum" sz="quarter" idx="10"/>
+          </p:nvPr>
+        </p:nvSpPr>
+        <p:spPr/>
+        <p:txBody>
+          <a:bodyPr/>
+          <a:lstStyle/>
+          <a:p>
+            <a:fld id="{BA5DFA43-8D57-47FB-BC46-057616015C3B}" type="slidenum">
+              <a:rPr lang="ko-KR" altLang="en-US" smtClean="0"/>
+              <a:t>3</a:t>
+            </a:fld>
+            <a:endParaRPr lang="ko-KR" altLang="en-US"/>
+          </a:p>
+        </p:txBody>
+      </p:sp>
+    </p:spTree>
+    <p:extLst>
+      <p:ext uri="{BB962C8B-B14F-4D97-AF65-F5344CB8AC3E}">
         <p14:creationId xmlns:p14="http://schemas.microsoft.com/office/powerpoint/2010/main" val="926000242"/>
       </p:ext>
     </p:extLst>
@@ -9896,8 +9981,8 @@
           </a:fontRef>
         </p:style>
       </p:cxnSp>
-      <mc:AlternateContent xmlns:mc="http://schemas.openxmlformats.org/markup-compatibility/2006">
-        <mc:Choice xmlns:a14="http://schemas.microsoft.com/office/drawing/2010/main" Requires="a14">
+      <mc:AlternateContent xmlns:mc="http://schemas.openxmlformats.org/markup-compatibility/2006" xmlns:a14="http://schemas.microsoft.com/office/drawing/2010/main">
+        <mc:Choice Requires="a14">
           <p:sp>
             <p:nvSpPr>
               <p:cNvPr id="17" name="TextBox 16">
@@ -9926,6 +10011,7 @@
               </a:bodyPr>
               <a:lstStyle/>
               <a:p>
+                <a:pPr/>
                 <a14:m>
                   <m:oMathPara xmlns:m="http://schemas.openxmlformats.org/officeDocument/2006/math">
                     <m:oMathParaPr>
@@ -9946,7 +10032,7 @@
             </p:txBody>
           </p:sp>
         </mc:Choice>
-        <mc:Fallback>
+        <mc:Fallback xmlns="">
           <p:sp>
             <p:nvSpPr>
               <p:cNvPr id="17" name="TextBox 16">
@@ -10047,6 +10133,994 @@
 </file>
 
 <file path=ppt/slides/slide2.xml><?xml version="1.0" encoding="utf-8"?>
+<p:sld xmlns:a="http://schemas.openxmlformats.org/drawingml/2006/main" xmlns:r="http://schemas.openxmlformats.org/officeDocument/2006/relationships" xmlns:p="http://schemas.openxmlformats.org/presentationml/2006/main">
+  <p:cSld>
+    <p:spTree>
+      <p:nvGrpSpPr>
+        <p:cNvPr id="1" name=""/>
+        <p:cNvGrpSpPr/>
+        <p:nvPr/>
+      </p:nvGrpSpPr>
+      <p:grpSpPr>
+        <a:xfrm>
+          <a:off x="0" y="0"/>
+          <a:ext cx="0" cy="0"/>
+          <a:chOff x="0" y="0"/>
+          <a:chExt cx="0" cy="0"/>
+        </a:xfrm>
+      </p:grpSpPr>
+      <p:sp>
+        <p:nvSpPr>
+          <p:cNvPr id="6" name="제목 1"/>
+          <p:cNvSpPr>
+            <a:spLocks noGrp="1"/>
+          </p:cNvSpPr>
+          <p:nvPr>
+            <p:ph type="title"/>
+          </p:nvPr>
+        </p:nvSpPr>
+        <p:spPr>
+          <a:xfrm>
+            <a:off x="457200" y="-164554"/>
+            <a:ext cx="8229600" cy="857250"/>
+          </a:xfrm>
+        </p:spPr>
+        <p:txBody>
+          <a:bodyPr>
+            <a:normAutofit/>
+          </a:bodyPr>
+          <a:lstStyle/>
+          <a:p>
+            <a:r>
+              <a:rPr lang="en-US" altLang="ko-KR"/>
+              <a:t>Compile, bpf()</a:t>
+            </a:r>
+            <a:endParaRPr lang="ko-KR" altLang="en-US" dirty="0"/>
+          </a:p>
+        </p:txBody>
+      </p:sp>
+      <p:cxnSp>
+        <p:nvCxnSpPr>
+          <p:cNvPr id="8" name="직선 연결선 7">
+            <a:extLst>
+              <a:ext uri="{FF2B5EF4-FFF2-40B4-BE49-F238E27FC236}">
+                <a16:creationId xmlns:a16="http://schemas.microsoft.com/office/drawing/2014/main" id="{855321D9-7332-458D-BCEB-1E49D8F4CF32}"/>
+              </a:ext>
+            </a:extLst>
+          </p:cNvPr>
+          <p:cNvCxnSpPr>
+            <a:cxnSpLocks/>
+          </p:cNvCxnSpPr>
+          <p:nvPr/>
+        </p:nvCxnSpPr>
+        <p:spPr>
+          <a:xfrm>
+            <a:off x="948400" y="2830194"/>
+            <a:ext cx="7584040" cy="0"/>
+          </a:xfrm>
+          <a:prstGeom prst="line">
+            <a:avLst/>
+          </a:prstGeom>
+          <a:ln w="38100">
+            <a:solidFill>
+              <a:schemeClr val="tx1"/>
+            </a:solidFill>
+            <a:prstDash val="dash"/>
+          </a:ln>
+        </p:spPr>
+        <p:style>
+          <a:lnRef idx="1">
+            <a:schemeClr val="accent1"/>
+          </a:lnRef>
+          <a:fillRef idx="0">
+            <a:schemeClr val="accent1"/>
+          </a:fillRef>
+          <a:effectRef idx="0">
+            <a:schemeClr val="accent1"/>
+          </a:effectRef>
+          <a:fontRef idx="minor">
+            <a:schemeClr val="tx1"/>
+          </a:fontRef>
+        </p:style>
+      </p:cxnSp>
+      <p:sp>
+        <p:nvSpPr>
+          <p:cNvPr id="11" name="TextBox 10">
+            <a:extLst>
+              <a:ext uri="{FF2B5EF4-FFF2-40B4-BE49-F238E27FC236}">
+                <a16:creationId xmlns:a16="http://schemas.microsoft.com/office/drawing/2014/main" id="{F06B31B5-624D-430B-8444-11B53CC3492D}"/>
+              </a:ext>
+            </a:extLst>
+          </p:cNvPr>
+          <p:cNvSpPr txBox="1"/>
+          <p:nvPr/>
+        </p:nvSpPr>
+        <p:spPr>
+          <a:xfrm>
+            <a:off x="755576" y="2396385"/>
+            <a:ext cx="1777000" cy="338554"/>
+          </a:xfrm>
+          <a:prstGeom prst="rect">
+            <a:avLst/>
+          </a:prstGeom>
+          <a:noFill/>
+        </p:spPr>
+        <p:txBody>
+          <a:bodyPr wrap="square" rtlCol="0" anchor="ctr">
+            <a:spAutoFit/>
+          </a:bodyPr>
+          <a:lstStyle/>
+          <a:p>
+            <a:pPr algn="ctr"/>
+            <a:r>
+              <a:rPr lang="en-US" altLang="ko-KR" sz="1600" b="1"/>
+              <a:t>User Space</a:t>
+            </a:r>
+            <a:endParaRPr lang="ko-KR" altLang="en-US" sz="1600" b="1"/>
+          </a:p>
+        </p:txBody>
+      </p:sp>
+      <p:sp>
+        <p:nvSpPr>
+          <p:cNvPr id="13" name="TextBox 12">
+            <a:extLst>
+              <a:ext uri="{FF2B5EF4-FFF2-40B4-BE49-F238E27FC236}">
+                <a16:creationId xmlns:a16="http://schemas.microsoft.com/office/drawing/2014/main" id="{1FEE2374-FD24-4089-B5A2-FD3890CC5FC3}"/>
+              </a:ext>
+            </a:extLst>
+          </p:cNvPr>
+          <p:cNvSpPr txBox="1"/>
+          <p:nvPr/>
+        </p:nvSpPr>
+        <p:spPr>
+          <a:xfrm>
+            <a:off x="755576" y="2909951"/>
+            <a:ext cx="1777000" cy="338554"/>
+          </a:xfrm>
+          <a:prstGeom prst="rect">
+            <a:avLst/>
+          </a:prstGeom>
+          <a:noFill/>
+        </p:spPr>
+        <p:txBody>
+          <a:bodyPr wrap="square" rtlCol="0" anchor="ctr">
+            <a:spAutoFit/>
+          </a:bodyPr>
+          <a:lstStyle/>
+          <a:p>
+            <a:pPr algn="ctr"/>
+            <a:r>
+              <a:rPr lang="en-US" altLang="ko-KR" sz="1600" b="1"/>
+              <a:t>Kernel Space</a:t>
+            </a:r>
+            <a:endParaRPr lang="ko-KR" altLang="en-US" sz="1600" b="1"/>
+          </a:p>
+        </p:txBody>
+      </p:sp>
+      <p:sp>
+        <p:nvSpPr>
+          <p:cNvPr id="16" name="사각형: 둥근 모서리 15">
+            <a:extLst>
+              <a:ext uri="{FF2B5EF4-FFF2-40B4-BE49-F238E27FC236}">
+                <a16:creationId xmlns:a16="http://schemas.microsoft.com/office/drawing/2014/main" id="{B0E45BBD-EBD0-46F0-8581-387429D21F14}"/>
+              </a:ext>
+            </a:extLst>
+          </p:cNvPr>
+          <p:cNvSpPr/>
+          <p:nvPr/>
+        </p:nvSpPr>
+        <p:spPr>
+          <a:xfrm>
+            <a:off x="5148064" y="958891"/>
+            <a:ext cx="1584176" cy="604747"/>
+          </a:xfrm>
+          <a:prstGeom prst="roundRect">
+            <a:avLst>
+              <a:gd name="adj" fmla="val 13867"/>
+            </a:avLst>
+          </a:prstGeom>
+        </p:spPr>
+        <p:style>
+          <a:lnRef idx="2">
+            <a:schemeClr val="dk1"/>
+          </a:lnRef>
+          <a:fillRef idx="1">
+            <a:schemeClr val="lt1"/>
+          </a:fillRef>
+          <a:effectRef idx="0">
+            <a:schemeClr val="dk1"/>
+          </a:effectRef>
+          <a:fontRef idx="minor">
+            <a:schemeClr val="dk1"/>
+          </a:fontRef>
+        </p:style>
+        <p:txBody>
+          <a:bodyPr rtlCol="0" anchor="ctr"/>
+          <a:lstStyle/>
+          <a:p>
+            <a:pPr algn="ctr"/>
+            <a:r>
+              <a:rPr lang="en-US" altLang="ko-KR" sz="1600"/>
+              <a:t>App</a:t>
+            </a:r>
+          </a:p>
+          <a:p>
+            <a:pPr algn="ctr"/>
+            <a:r>
+              <a:rPr lang="en-US" altLang="ko-KR" sz="1600"/>
+              <a:t>(iproute2, tc)</a:t>
+            </a:r>
+            <a:endParaRPr lang="ko-KR" altLang="en-US" sz="1600"/>
+          </a:p>
+        </p:txBody>
+      </p:sp>
+      <p:sp>
+        <p:nvSpPr>
+          <p:cNvPr id="18" name="사각형: 둥근 모서리 17">
+            <a:extLst>
+              <a:ext uri="{FF2B5EF4-FFF2-40B4-BE49-F238E27FC236}">
+                <a16:creationId xmlns:a16="http://schemas.microsoft.com/office/drawing/2014/main" id="{F3A8A261-49C6-4D7D-B8D9-523995ED119B}"/>
+              </a:ext>
+            </a:extLst>
+          </p:cNvPr>
+          <p:cNvSpPr/>
+          <p:nvPr/>
+        </p:nvSpPr>
+        <p:spPr>
+          <a:xfrm>
+            <a:off x="1907704" y="1798826"/>
+            <a:ext cx="1584176" cy="604747"/>
+          </a:xfrm>
+          <a:prstGeom prst="roundRect">
+            <a:avLst>
+              <a:gd name="adj" fmla="val 13867"/>
+            </a:avLst>
+          </a:prstGeom>
+        </p:spPr>
+        <p:style>
+          <a:lnRef idx="2">
+            <a:schemeClr val="dk1"/>
+          </a:lnRef>
+          <a:fillRef idx="1">
+            <a:schemeClr val="lt1"/>
+          </a:fillRef>
+          <a:effectRef idx="0">
+            <a:schemeClr val="dk1"/>
+          </a:effectRef>
+          <a:fontRef idx="minor">
+            <a:schemeClr val="dk1"/>
+          </a:fontRef>
+        </p:style>
+        <p:txBody>
+          <a:bodyPr rtlCol="0" anchor="ctr"/>
+          <a:lstStyle/>
+          <a:p>
+            <a:pPr algn="ctr"/>
+            <a:r>
+              <a:rPr lang="en-US" altLang="ko-KR" sz="1600"/>
+              <a:t>eBPF Program Code </a:t>
+            </a:r>
+            <a:endParaRPr lang="ko-KR" altLang="en-US" sz="1600"/>
+          </a:p>
+        </p:txBody>
+      </p:sp>
+      <p:cxnSp>
+        <p:nvCxnSpPr>
+          <p:cNvPr id="14" name="직선 화살표 연결선 13">
+            <a:extLst>
+              <a:ext uri="{FF2B5EF4-FFF2-40B4-BE49-F238E27FC236}">
+                <a16:creationId xmlns:a16="http://schemas.microsoft.com/office/drawing/2014/main" id="{A6ADDF39-CB4D-40F6-8573-6013FC07F27F}"/>
+              </a:ext>
+            </a:extLst>
+          </p:cNvPr>
+          <p:cNvCxnSpPr>
+            <a:stCxn id="18" idx="3"/>
+            <a:endCxn id="21" idx="1"/>
+          </p:cNvCxnSpPr>
+          <p:nvPr/>
+        </p:nvCxnSpPr>
+        <p:spPr>
+          <a:xfrm>
+            <a:off x="3491880" y="2101200"/>
+            <a:ext cx="1224136" cy="0"/>
+          </a:xfrm>
+          <a:prstGeom prst="straightConnector1">
+            <a:avLst/>
+          </a:prstGeom>
+          <a:ln w="28575">
+            <a:solidFill>
+              <a:schemeClr val="tx1"/>
+            </a:solidFill>
+            <a:headEnd type="none" w="med" len="med"/>
+            <a:tailEnd type="arrow" w="med" len="med"/>
+          </a:ln>
+        </p:spPr>
+        <p:style>
+          <a:lnRef idx="1">
+            <a:schemeClr val="accent1"/>
+          </a:lnRef>
+          <a:fillRef idx="0">
+            <a:schemeClr val="accent1"/>
+          </a:fillRef>
+          <a:effectRef idx="0">
+            <a:schemeClr val="accent1"/>
+          </a:effectRef>
+          <a:fontRef idx="minor">
+            <a:schemeClr val="tx1"/>
+          </a:fontRef>
+        </p:style>
+      </p:cxnSp>
+      <p:sp>
+        <p:nvSpPr>
+          <p:cNvPr id="24" name="TextBox 23">
+            <a:extLst>
+              <a:ext uri="{FF2B5EF4-FFF2-40B4-BE49-F238E27FC236}">
+                <a16:creationId xmlns:a16="http://schemas.microsoft.com/office/drawing/2014/main" id="{0BE25951-A64C-4698-8B51-D4674E844D8C}"/>
+              </a:ext>
+            </a:extLst>
+          </p:cNvPr>
+          <p:cNvSpPr txBox="1"/>
+          <p:nvPr/>
+        </p:nvSpPr>
+        <p:spPr>
+          <a:xfrm>
+            <a:off x="3504619" y="1563638"/>
+            <a:ext cx="1224136" cy="523220"/>
+          </a:xfrm>
+          <a:prstGeom prst="rect">
+            <a:avLst/>
+          </a:prstGeom>
+          <a:noFill/>
+        </p:spPr>
+        <p:txBody>
+          <a:bodyPr wrap="square" rtlCol="0" anchor="ctr">
+            <a:spAutoFit/>
+          </a:bodyPr>
+          <a:lstStyle/>
+          <a:p>
+            <a:pPr algn="ctr"/>
+            <a:r>
+              <a:rPr lang="en-US" altLang="ko-KR" sz="1400"/>
+              <a:t>LLVM/clang</a:t>
+            </a:r>
+          </a:p>
+          <a:p>
+            <a:pPr algn="ctr"/>
+            <a:r>
+              <a:rPr lang="en-US" altLang="ko-KR" sz="1400"/>
+              <a:t>Compile</a:t>
+            </a:r>
+            <a:endParaRPr lang="ko-KR" altLang="en-US" sz="1400"/>
+          </a:p>
+        </p:txBody>
+      </p:sp>
+      <p:cxnSp>
+        <p:nvCxnSpPr>
+          <p:cNvPr id="27" name="직선 화살표 연결선 26">
+            <a:extLst>
+              <a:ext uri="{FF2B5EF4-FFF2-40B4-BE49-F238E27FC236}">
+                <a16:creationId xmlns:a16="http://schemas.microsoft.com/office/drawing/2014/main" id="{C2BCF835-6527-4D5D-B9D2-8FF5B8287CD7}"/>
+              </a:ext>
+            </a:extLst>
+          </p:cNvPr>
+          <p:cNvCxnSpPr>
+            <a:cxnSpLocks/>
+            <a:stCxn id="16" idx="2"/>
+            <a:endCxn id="66" idx="0"/>
+          </p:cNvCxnSpPr>
+          <p:nvPr/>
+        </p:nvCxnSpPr>
+        <p:spPr>
+          <a:xfrm rot="5400000">
+            <a:off x="3549546" y="2010028"/>
+            <a:ext cx="2836997" cy="1944216"/>
+          </a:xfrm>
+          <a:prstGeom prst="curvedConnector3">
+            <a:avLst>
+              <a:gd name="adj1" fmla="val 46717"/>
+            </a:avLst>
+          </a:prstGeom>
+          <a:ln w="28575">
+            <a:solidFill>
+              <a:srgbClr val="C00000"/>
+            </a:solidFill>
+            <a:headEnd type="none" w="med" len="med"/>
+            <a:tailEnd type="arrow" w="med" len="med"/>
+          </a:ln>
+        </p:spPr>
+        <p:style>
+          <a:lnRef idx="1">
+            <a:schemeClr val="accent1"/>
+          </a:lnRef>
+          <a:fillRef idx="0">
+            <a:schemeClr val="accent1"/>
+          </a:fillRef>
+          <a:effectRef idx="0">
+            <a:schemeClr val="accent1"/>
+          </a:effectRef>
+          <a:fontRef idx="minor">
+            <a:schemeClr val="tx1"/>
+          </a:fontRef>
+        </p:style>
+      </p:cxnSp>
+      <p:sp>
+        <p:nvSpPr>
+          <p:cNvPr id="37" name="사각형: 둥근 모서리 36">
+            <a:extLst>
+              <a:ext uri="{FF2B5EF4-FFF2-40B4-BE49-F238E27FC236}">
+                <a16:creationId xmlns:a16="http://schemas.microsoft.com/office/drawing/2014/main" id="{EC1AC79D-1168-4880-A7BD-4500E2F6D15F}"/>
+              </a:ext>
+            </a:extLst>
+          </p:cNvPr>
+          <p:cNvSpPr/>
+          <p:nvPr/>
+        </p:nvSpPr>
+        <p:spPr>
+          <a:xfrm>
+            <a:off x="6588224" y="1798825"/>
+            <a:ext cx="1584176" cy="604747"/>
+          </a:xfrm>
+          <a:prstGeom prst="roundRect">
+            <a:avLst>
+              <a:gd name="adj" fmla="val 13867"/>
+            </a:avLst>
+          </a:prstGeom>
+        </p:spPr>
+        <p:style>
+          <a:lnRef idx="2">
+            <a:schemeClr val="dk1"/>
+          </a:lnRef>
+          <a:fillRef idx="1">
+            <a:schemeClr val="lt1"/>
+          </a:fillRef>
+          <a:effectRef idx="0">
+            <a:schemeClr val="dk1"/>
+          </a:effectRef>
+          <a:fontRef idx="minor">
+            <a:schemeClr val="dk1"/>
+          </a:fontRef>
+        </p:style>
+        <p:txBody>
+          <a:bodyPr rtlCol="0" anchor="ctr"/>
+          <a:lstStyle/>
+          <a:p>
+            <a:pPr algn="ctr"/>
+            <a:r>
+              <a:rPr lang="en-US" altLang="ko-KR" sz="1600"/>
+              <a:t>App</a:t>
+            </a:r>
+          </a:p>
+        </p:txBody>
+      </p:sp>
+      <p:sp>
+        <p:nvSpPr>
+          <p:cNvPr id="21" name="사각형: 둥근 모서리 20">
+            <a:extLst>
+              <a:ext uri="{FF2B5EF4-FFF2-40B4-BE49-F238E27FC236}">
+                <a16:creationId xmlns:a16="http://schemas.microsoft.com/office/drawing/2014/main" id="{89A4149D-27F9-4F35-9D72-5B6A98E8399D}"/>
+              </a:ext>
+            </a:extLst>
+          </p:cNvPr>
+          <p:cNvSpPr/>
+          <p:nvPr/>
+        </p:nvSpPr>
+        <p:spPr>
+          <a:xfrm>
+            <a:off x="4716016" y="1798826"/>
+            <a:ext cx="1584176" cy="604747"/>
+          </a:xfrm>
+          <a:prstGeom prst="roundRect">
+            <a:avLst>
+              <a:gd name="adj" fmla="val 13867"/>
+            </a:avLst>
+          </a:prstGeom>
+          <a:ln>
+            <a:solidFill>
+              <a:srgbClr val="C00000"/>
+            </a:solidFill>
+          </a:ln>
+        </p:spPr>
+        <p:style>
+          <a:lnRef idx="2">
+            <a:schemeClr val="dk1"/>
+          </a:lnRef>
+          <a:fillRef idx="1">
+            <a:schemeClr val="lt1"/>
+          </a:fillRef>
+          <a:effectRef idx="0">
+            <a:schemeClr val="dk1"/>
+          </a:effectRef>
+          <a:fontRef idx="minor">
+            <a:schemeClr val="dk1"/>
+          </a:fontRef>
+        </p:style>
+        <p:txBody>
+          <a:bodyPr rtlCol="0" anchor="ctr"/>
+          <a:lstStyle/>
+          <a:p>
+            <a:pPr algn="ctr"/>
+            <a:r>
+              <a:rPr lang="en-US" altLang="ko-KR" sz="1600"/>
+              <a:t>eBPF Program Bytecode</a:t>
+            </a:r>
+            <a:endParaRPr lang="ko-KR" altLang="en-US" sz="1600"/>
+          </a:p>
+        </p:txBody>
+      </p:sp>
+      <p:sp>
+        <p:nvSpPr>
+          <p:cNvPr id="45" name="사각형: 둥근 모서리 44">
+            <a:extLst>
+              <a:ext uri="{FF2B5EF4-FFF2-40B4-BE49-F238E27FC236}">
+                <a16:creationId xmlns:a16="http://schemas.microsoft.com/office/drawing/2014/main" id="{FA25AB38-C2D4-486A-819F-2883BB708A2F}"/>
+              </a:ext>
+            </a:extLst>
+          </p:cNvPr>
+          <p:cNvSpPr/>
+          <p:nvPr/>
+        </p:nvSpPr>
+        <p:spPr>
+          <a:xfrm>
+            <a:off x="5364088" y="3630031"/>
+            <a:ext cx="1584176" cy="360040"/>
+          </a:xfrm>
+          <a:prstGeom prst="roundRect">
+            <a:avLst/>
+          </a:prstGeom>
+        </p:spPr>
+        <p:style>
+          <a:lnRef idx="2">
+            <a:schemeClr val="dk1"/>
+          </a:lnRef>
+          <a:fillRef idx="1">
+            <a:schemeClr val="lt1"/>
+          </a:fillRef>
+          <a:effectRef idx="0">
+            <a:schemeClr val="dk1"/>
+          </a:effectRef>
+          <a:fontRef idx="minor">
+            <a:schemeClr val="dk1"/>
+          </a:fontRef>
+        </p:style>
+        <p:txBody>
+          <a:bodyPr rtlCol="0" anchor="ctr"/>
+          <a:lstStyle/>
+          <a:p>
+            <a:pPr algn="ctr"/>
+            <a:r>
+              <a:rPr lang="en-US" altLang="ko-KR" sz="1400"/>
+              <a:t>Key      Value</a:t>
+            </a:r>
+            <a:endParaRPr lang="ko-KR" altLang="en-US" sz="1400"/>
+          </a:p>
+        </p:txBody>
+      </p:sp>
+      <p:sp>
+        <p:nvSpPr>
+          <p:cNvPr id="46" name="사각형: 둥근 모서리 45">
+            <a:extLst>
+              <a:ext uri="{FF2B5EF4-FFF2-40B4-BE49-F238E27FC236}">
+                <a16:creationId xmlns:a16="http://schemas.microsoft.com/office/drawing/2014/main" id="{15303C53-B5D8-4B26-8C50-A5441606BFD9}"/>
+              </a:ext>
+            </a:extLst>
+          </p:cNvPr>
+          <p:cNvSpPr/>
+          <p:nvPr/>
+        </p:nvSpPr>
+        <p:spPr>
+          <a:xfrm>
+            <a:off x="5364088" y="3990071"/>
+            <a:ext cx="1584176" cy="360040"/>
+          </a:xfrm>
+          <a:prstGeom prst="roundRect">
+            <a:avLst/>
+          </a:prstGeom>
+        </p:spPr>
+        <p:style>
+          <a:lnRef idx="2">
+            <a:schemeClr val="dk1"/>
+          </a:lnRef>
+          <a:fillRef idx="1">
+            <a:schemeClr val="lt1"/>
+          </a:fillRef>
+          <a:effectRef idx="0">
+            <a:schemeClr val="dk1"/>
+          </a:effectRef>
+          <a:fontRef idx="minor">
+            <a:schemeClr val="dk1"/>
+          </a:fontRef>
+        </p:style>
+        <p:txBody>
+          <a:bodyPr rtlCol="0" anchor="ctr"/>
+          <a:lstStyle/>
+          <a:p>
+            <a:pPr algn="ctr"/>
+            <a:endParaRPr lang="ko-KR" altLang="en-US" sz="1400"/>
+          </a:p>
+        </p:txBody>
+      </p:sp>
+      <p:sp>
+        <p:nvSpPr>
+          <p:cNvPr id="51" name="TextBox 50">
+            <a:extLst>
+              <a:ext uri="{FF2B5EF4-FFF2-40B4-BE49-F238E27FC236}">
+                <a16:creationId xmlns:a16="http://schemas.microsoft.com/office/drawing/2014/main" id="{AA6EFC29-F139-4797-87E0-2E5511C29B9B}"/>
+              </a:ext>
+            </a:extLst>
+          </p:cNvPr>
+          <p:cNvSpPr txBox="1"/>
+          <p:nvPr/>
+        </p:nvSpPr>
+        <p:spPr>
+          <a:xfrm>
+            <a:off x="5432036" y="4350111"/>
+            <a:ext cx="1433302" cy="338554"/>
+          </a:xfrm>
+          <a:prstGeom prst="rect">
+            <a:avLst/>
+          </a:prstGeom>
+          <a:noFill/>
+        </p:spPr>
+        <p:txBody>
+          <a:bodyPr wrap="square" rtlCol="0" anchor="ctr">
+            <a:spAutoFit/>
+          </a:bodyPr>
+          <a:lstStyle/>
+          <a:p>
+            <a:pPr algn="ctr"/>
+            <a:r>
+              <a:rPr lang="en-US" altLang="ko-KR" sz="1600"/>
+              <a:t>Maps</a:t>
+            </a:r>
+            <a:endParaRPr lang="ko-KR" altLang="en-US" sz="1600"/>
+          </a:p>
+        </p:txBody>
+      </p:sp>
+      <p:cxnSp>
+        <p:nvCxnSpPr>
+          <p:cNvPr id="53" name="직선 연결선 52">
+            <a:extLst>
+              <a:ext uri="{FF2B5EF4-FFF2-40B4-BE49-F238E27FC236}">
+                <a16:creationId xmlns:a16="http://schemas.microsoft.com/office/drawing/2014/main" id="{D5970CAC-31EF-4FAA-BA05-2483B734AF91}"/>
+              </a:ext>
+            </a:extLst>
+          </p:cNvPr>
+          <p:cNvCxnSpPr>
+            <a:cxnSpLocks/>
+          </p:cNvCxnSpPr>
+          <p:nvPr/>
+        </p:nvCxnSpPr>
+        <p:spPr>
+          <a:xfrm>
+            <a:off x="6058767" y="3630031"/>
+            <a:ext cx="0" cy="720080"/>
+          </a:xfrm>
+          <a:prstGeom prst="line">
+            <a:avLst/>
+          </a:prstGeom>
+          <a:ln w="19050">
+            <a:solidFill>
+              <a:schemeClr val="tx1"/>
+            </a:solidFill>
+          </a:ln>
+        </p:spPr>
+        <p:style>
+          <a:lnRef idx="1">
+            <a:schemeClr val="accent1"/>
+          </a:lnRef>
+          <a:fillRef idx="0">
+            <a:schemeClr val="accent1"/>
+          </a:fillRef>
+          <a:effectRef idx="0">
+            <a:schemeClr val="accent1"/>
+          </a:effectRef>
+          <a:fontRef idx="minor">
+            <a:schemeClr val="tx1"/>
+          </a:fontRef>
+        </p:style>
+      </p:cxnSp>
+      <p:sp>
+        <p:nvSpPr>
+          <p:cNvPr id="60" name="사각형: 둥근 모서리 59">
+            <a:extLst>
+              <a:ext uri="{FF2B5EF4-FFF2-40B4-BE49-F238E27FC236}">
+                <a16:creationId xmlns:a16="http://schemas.microsoft.com/office/drawing/2014/main" id="{163D8005-3952-4700-B2AB-691EA9F861A2}"/>
+              </a:ext>
+            </a:extLst>
+          </p:cNvPr>
+          <p:cNvSpPr/>
+          <p:nvPr/>
+        </p:nvSpPr>
+        <p:spPr>
+          <a:xfrm>
+            <a:off x="3275856" y="3176497"/>
+            <a:ext cx="1440160" cy="432046"/>
+          </a:xfrm>
+          <a:prstGeom prst="roundRect">
+            <a:avLst/>
+          </a:prstGeom>
+        </p:spPr>
+        <p:style>
+          <a:lnRef idx="2">
+            <a:schemeClr val="dk1"/>
+          </a:lnRef>
+          <a:fillRef idx="1">
+            <a:schemeClr val="lt1"/>
+          </a:fillRef>
+          <a:effectRef idx="0">
+            <a:schemeClr val="dk1"/>
+          </a:effectRef>
+          <a:fontRef idx="minor">
+            <a:schemeClr val="dk1"/>
+          </a:fontRef>
+        </p:style>
+        <p:txBody>
+          <a:bodyPr rtlCol="0" anchor="ctr"/>
+          <a:lstStyle/>
+          <a:p>
+            <a:pPr algn="ctr"/>
+            <a:r>
+              <a:rPr lang="en-US" altLang="ko-KR" sz="1600"/>
+              <a:t>Verifier</a:t>
+            </a:r>
+            <a:endParaRPr lang="ko-KR" altLang="en-US" sz="1600"/>
+          </a:p>
+        </p:txBody>
+      </p:sp>
+      <p:sp>
+        <p:nvSpPr>
+          <p:cNvPr id="66" name="사각형: 둥근 모서리 65">
+            <a:extLst>
+              <a:ext uri="{FF2B5EF4-FFF2-40B4-BE49-F238E27FC236}">
+                <a16:creationId xmlns:a16="http://schemas.microsoft.com/office/drawing/2014/main" id="{DBC0E023-43C5-476E-AD37-83DA5EB3F834}"/>
+              </a:ext>
+            </a:extLst>
+          </p:cNvPr>
+          <p:cNvSpPr/>
+          <p:nvPr/>
+        </p:nvSpPr>
+        <p:spPr>
+          <a:xfrm>
+            <a:off x="3275856" y="4400635"/>
+            <a:ext cx="1440160" cy="432046"/>
+          </a:xfrm>
+          <a:prstGeom prst="roundRect">
+            <a:avLst/>
+          </a:prstGeom>
+        </p:spPr>
+        <p:style>
+          <a:lnRef idx="2">
+            <a:schemeClr val="dk1"/>
+          </a:lnRef>
+          <a:fillRef idx="1">
+            <a:schemeClr val="lt1"/>
+          </a:fillRef>
+          <a:effectRef idx="0">
+            <a:schemeClr val="dk1"/>
+          </a:effectRef>
+          <a:fontRef idx="minor">
+            <a:schemeClr val="dk1"/>
+          </a:fontRef>
+        </p:style>
+        <p:txBody>
+          <a:bodyPr rtlCol="0" anchor="ctr"/>
+          <a:lstStyle/>
+          <a:p>
+            <a:pPr algn="ctr"/>
+            <a:r>
+              <a:rPr lang="en-US" altLang="ko-KR" sz="1600"/>
+              <a:t>eBPF</a:t>
+            </a:r>
+            <a:endParaRPr lang="ko-KR" altLang="en-US" sz="1600"/>
+          </a:p>
+        </p:txBody>
+      </p:sp>
+      <p:cxnSp>
+        <p:nvCxnSpPr>
+          <p:cNvPr id="67" name="직선 화살표 연결선 66">
+            <a:extLst>
+              <a:ext uri="{FF2B5EF4-FFF2-40B4-BE49-F238E27FC236}">
+                <a16:creationId xmlns:a16="http://schemas.microsoft.com/office/drawing/2014/main" id="{15C5EBB9-D1C4-4294-824C-EBF7754F6BC8}"/>
+              </a:ext>
+            </a:extLst>
+          </p:cNvPr>
+          <p:cNvCxnSpPr>
+            <a:cxnSpLocks/>
+            <a:stCxn id="46" idx="1"/>
+            <a:endCxn id="66" idx="3"/>
+          </p:cNvCxnSpPr>
+          <p:nvPr/>
+        </p:nvCxnSpPr>
+        <p:spPr>
+          <a:xfrm flipH="1">
+            <a:off x="4716016" y="4170091"/>
+            <a:ext cx="648072" cy="446567"/>
+          </a:xfrm>
+          <a:prstGeom prst="straightConnector1">
+            <a:avLst/>
+          </a:prstGeom>
+          <a:ln w="28575">
+            <a:solidFill>
+              <a:schemeClr val="tx1"/>
+            </a:solidFill>
+            <a:headEnd type="arrow" w="med" len="med"/>
+            <a:tailEnd type="arrow" w="med" len="med"/>
+          </a:ln>
+        </p:spPr>
+        <p:style>
+          <a:lnRef idx="1">
+            <a:schemeClr val="accent1"/>
+          </a:lnRef>
+          <a:fillRef idx="0">
+            <a:schemeClr val="accent1"/>
+          </a:fillRef>
+          <a:effectRef idx="0">
+            <a:schemeClr val="accent1"/>
+          </a:effectRef>
+          <a:fontRef idx="minor">
+            <a:schemeClr val="tx1"/>
+          </a:fontRef>
+        </p:style>
+      </p:cxnSp>
+      <p:sp>
+        <p:nvSpPr>
+          <p:cNvPr id="75" name="사각형: 둥근 모서리 74">
+            <a:extLst>
+              <a:ext uri="{FF2B5EF4-FFF2-40B4-BE49-F238E27FC236}">
+                <a16:creationId xmlns:a16="http://schemas.microsoft.com/office/drawing/2014/main" id="{37B13918-9412-4E36-8765-129978786A27}"/>
+              </a:ext>
+            </a:extLst>
+          </p:cNvPr>
+          <p:cNvSpPr/>
+          <p:nvPr/>
+        </p:nvSpPr>
+        <p:spPr>
+          <a:xfrm>
+            <a:off x="3275856" y="3789688"/>
+            <a:ext cx="1440160" cy="432046"/>
+          </a:xfrm>
+          <a:prstGeom prst="roundRect">
+            <a:avLst/>
+          </a:prstGeom>
+        </p:spPr>
+        <p:style>
+          <a:lnRef idx="2">
+            <a:schemeClr val="dk1"/>
+          </a:lnRef>
+          <a:fillRef idx="1">
+            <a:schemeClr val="lt1"/>
+          </a:fillRef>
+          <a:effectRef idx="0">
+            <a:schemeClr val="dk1"/>
+          </a:effectRef>
+          <a:fontRef idx="minor">
+            <a:schemeClr val="dk1"/>
+          </a:fontRef>
+        </p:style>
+        <p:txBody>
+          <a:bodyPr rtlCol="0" anchor="ctr"/>
+          <a:lstStyle/>
+          <a:p>
+            <a:pPr algn="ctr"/>
+            <a:r>
+              <a:rPr lang="en-US" altLang="ko-KR" sz="1600"/>
+              <a:t>JIT Compiler</a:t>
+            </a:r>
+            <a:endParaRPr lang="ko-KR" altLang="en-US" sz="1600"/>
+          </a:p>
+        </p:txBody>
+      </p:sp>
+      <p:cxnSp>
+        <p:nvCxnSpPr>
+          <p:cNvPr id="93" name="직선 화살표 연결선 26">
+            <a:extLst>
+              <a:ext uri="{FF2B5EF4-FFF2-40B4-BE49-F238E27FC236}">
+                <a16:creationId xmlns:a16="http://schemas.microsoft.com/office/drawing/2014/main" id="{BDD1DC3D-1F29-45FC-B341-6D163409DAAF}"/>
+              </a:ext>
+            </a:extLst>
+          </p:cNvPr>
+          <p:cNvCxnSpPr>
+            <a:cxnSpLocks/>
+            <a:stCxn id="37" idx="2"/>
+            <a:endCxn id="45" idx="0"/>
+          </p:cNvCxnSpPr>
+          <p:nvPr/>
+        </p:nvCxnSpPr>
+        <p:spPr>
+          <a:xfrm rot="5400000">
+            <a:off x="6155015" y="2404733"/>
+            <a:ext cx="1226459" cy="1224136"/>
+          </a:xfrm>
+          <a:prstGeom prst="curvedConnector3">
+            <a:avLst>
+              <a:gd name="adj1" fmla="val 34122"/>
+            </a:avLst>
+          </a:prstGeom>
+          <a:ln w="28575">
+            <a:solidFill>
+              <a:schemeClr val="tx2"/>
+            </a:solidFill>
+            <a:headEnd type="arrow" w="med" len="med"/>
+            <a:tailEnd type="arrow" w="med" len="med"/>
+          </a:ln>
+        </p:spPr>
+        <p:style>
+          <a:lnRef idx="1">
+            <a:schemeClr val="accent1"/>
+          </a:lnRef>
+          <a:fillRef idx="0">
+            <a:schemeClr val="accent1"/>
+          </a:fillRef>
+          <a:effectRef idx="0">
+            <a:schemeClr val="accent1"/>
+          </a:effectRef>
+          <a:fontRef idx="minor">
+            <a:schemeClr val="tx1"/>
+          </a:fontRef>
+        </p:style>
+      </p:cxnSp>
+      <p:sp>
+        <p:nvSpPr>
+          <p:cNvPr id="10" name="사각형: 둥근 모서리 9">
+            <a:extLst>
+              <a:ext uri="{FF2B5EF4-FFF2-40B4-BE49-F238E27FC236}">
+                <a16:creationId xmlns:a16="http://schemas.microsoft.com/office/drawing/2014/main" id="{655EB7B5-3D4E-4709-9629-3994AE2C7B61}"/>
+              </a:ext>
+            </a:extLst>
+          </p:cNvPr>
+          <p:cNvSpPr/>
+          <p:nvPr/>
+        </p:nvSpPr>
+        <p:spPr>
+          <a:xfrm>
+            <a:off x="4355976" y="2614171"/>
+            <a:ext cx="3024336" cy="432046"/>
+          </a:xfrm>
+          <a:prstGeom prst="roundRect">
+            <a:avLst/>
+          </a:prstGeom>
+        </p:spPr>
+        <p:style>
+          <a:lnRef idx="2">
+            <a:schemeClr val="dk1"/>
+          </a:lnRef>
+          <a:fillRef idx="1">
+            <a:schemeClr val="lt1"/>
+          </a:fillRef>
+          <a:effectRef idx="0">
+            <a:schemeClr val="dk1"/>
+          </a:effectRef>
+          <a:fontRef idx="minor">
+            <a:schemeClr val="dk1"/>
+          </a:fontRef>
+        </p:style>
+        <p:txBody>
+          <a:bodyPr rtlCol="0" anchor="ctr"/>
+          <a:lstStyle/>
+          <a:p>
+            <a:pPr algn="ctr"/>
+            <a:r>
+              <a:rPr lang="en-US" altLang="ko-KR" sz="1600"/>
+              <a:t>bpf()</a:t>
+            </a:r>
+            <a:endParaRPr lang="ko-KR" altLang="en-US" sz="1600"/>
+          </a:p>
+        </p:txBody>
+      </p:sp>
+    </p:spTree>
+    <p:extLst>
+      <p:ext uri="{BB962C8B-B14F-4D97-AF65-F5344CB8AC3E}">
+        <p14:creationId xmlns:p14="http://schemas.microsoft.com/office/powerpoint/2010/main" val="2308286076"/>
+      </p:ext>
+    </p:extLst>
+  </p:cSld>
+  <p:clrMapOvr>
+    <a:masterClrMapping/>
+  </p:clrMapOvr>
+</p:sld>
+</file>
+
+<file path=ppt/slides/slide3.xml><?xml version="1.0" encoding="utf-8"?>
 <p:sld xmlns:a="http://schemas.openxmlformats.org/drawingml/2006/main" xmlns:r="http://schemas.openxmlformats.org/officeDocument/2006/relationships" xmlns:p="http://schemas.openxmlformats.org/presentationml/2006/main">
   <p:cSld>
     <p:spTree>

--- a/images/theory_analysis/Linux_BPF/Linux_BPF_XDP.pptx
+++ b/images/theory_analysis/Linux_BPF/Linux_BPF_XDP.pptx
@@ -4270,7 +4270,7 @@
           <a:p>
             <a:fld id="{6CD5550B-26C4-49A9-A5BA-636EF7BE6CE9}" type="datetimeFigureOut">
               <a:rPr lang="ko-KR" altLang="en-US" smtClean="0"/>
-              <a:t>2018-12-26</a:t>
+              <a:t>2018-12-27</a:t>
             </a:fld>
             <a:endParaRPr lang="ko-KR" altLang="en-US"/>
           </a:p>
@@ -4968,7 +4968,7 @@
           <a:p>
             <a:fld id="{FB30EDBD-1C2D-4C1E-B459-B60219FAB484}" type="datetimeFigureOut">
               <a:rPr lang="ko-KR" altLang="en-US" smtClean="0"/>
-              <a:t>2018-12-26</a:t>
+              <a:t>2018-12-27</a:t>
             </a:fld>
             <a:endParaRPr lang="ko-KR" altLang="en-US"/>
           </a:p>
@@ -5131,7 +5131,7 @@
           <a:p>
             <a:fld id="{FB30EDBD-1C2D-4C1E-B459-B60219FAB484}" type="datetimeFigureOut">
               <a:rPr lang="ko-KR" altLang="en-US" smtClean="0"/>
-              <a:t>2018-12-26</a:t>
+              <a:t>2018-12-27</a:t>
             </a:fld>
             <a:endParaRPr lang="ko-KR" altLang="en-US"/>
           </a:p>
@@ -5304,7 +5304,7 @@
           <a:p>
             <a:fld id="{FB30EDBD-1C2D-4C1E-B459-B60219FAB484}" type="datetimeFigureOut">
               <a:rPr lang="ko-KR" altLang="en-US" smtClean="0"/>
-              <a:t>2018-12-26</a:t>
+              <a:t>2018-12-27</a:t>
             </a:fld>
             <a:endParaRPr lang="ko-KR" altLang="en-US"/>
           </a:p>
@@ -5467,7 +5467,7 @@
           <a:p>
             <a:fld id="{FB30EDBD-1C2D-4C1E-B459-B60219FAB484}" type="datetimeFigureOut">
               <a:rPr lang="ko-KR" altLang="en-US" smtClean="0"/>
-              <a:t>2018-12-26</a:t>
+              <a:t>2018-12-27</a:t>
             </a:fld>
             <a:endParaRPr lang="ko-KR" altLang="en-US"/>
           </a:p>
@@ -5707,7 +5707,7 @@
           <a:p>
             <a:fld id="{FB30EDBD-1C2D-4C1E-B459-B60219FAB484}" type="datetimeFigureOut">
               <a:rPr lang="ko-KR" altLang="en-US" smtClean="0"/>
-              <a:t>2018-12-26</a:t>
+              <a:t>2018-12-27</a:t>
             </a:fld>
             <a:endParaRPr lang="ko-KR" altLang="en-US"/>
           </a:p>
@@ -5987,7 +5987,7 @@
           <a:p>
             <a:fld id="{FB30EDBD-1C2D-4C1E-B459-B60219FAB484}" type="datetimeFigureOut">
               <a:rPr lang="ko-KR" altLang="en-US" smtClean="0"/>
-              <a:t>2018-12-26</a:t>
+              <a:t>2018-12-27</a:t>
             </a:fld>
             <a:endParaRPr lang="ko-KR" altLang="en-US"/>
           </a:p>
@@ -6401,7 +6401,7 @@
           <a:p>
             <a:fld id="{FB30EDBD-1C2D-4C1E-B459-B60219FAB484}" type="datetimeFigureOut">
               <a:rPr lang="ko-KR" altLang="en-US" smtClean="0"/>
-              <a:t>2018-12-26</a:t>
+              <a:t>2018-12-27</a:t>
             </a:fld>
             <a:endParaRPr lang="ko-KR" altLang="en-US"/>
           </a:p>
@@ -6513,7 +6513,7 @@
           <a:p>
             <a:fld id="{FB30EDBD-1C2D-4C1E-B459-B60219FAB484}" type="datetimeFigureOut">
               <a:rPr lang="ko-KR" altLang="en-US" smtClean="0"/>
-              <a:t>2018-12-26</a:t>
+              <a:t>2018-12-27</a:t>
             </a:fld>
             <a:endParaRPr lang="ko-KR" altLang="en-US"/>
           </a:p>
@@ -6603,7 +6603,7 @@
           <a:p>
             <a:fld id="{FB30EDBD-1C2D-4C1E-B459-B60219FAB484}" type="datetimeFigureOut">
               <a:rPr lang="ko-KR" altLang="en-US" smtClean="0"/>
-              <a:t>2018-12-26</a:t>
+              <a:t>2018-12-27</a:t>
             </a:fld>
             <a:endParaRPr lang="ko-KR" altLang="en-US"/>
           </a:p>
@@ -6873,7 +6873,7 @@
           <a:p>
             <a:fld id="{FB30EDBD-1C2D-4C1E-B459-B60219FAB484}" type="datetimeFigureOut">
               <a:rPr lang="ko-KR" altLang="en-US" smtClean="0"/>
-              <a:t>2018-12-26</a:t>
+              <a:t>2018-12-27</a:t>
             </a:fld>
             <a:endParaRPr lang="ko-KR" altLang="en-US"/>
           </a:p>
@@ -7120,7 +7120,7 @@
           <a:p>
             <a:fld id="{FB30EDBD-1C2D-4C1E-B459-B60219FAB484}" type="datetimeFigureOut">
               <a:rPr lang="ko-KR" altLang="en-US" smtClean="0"/>
-              <a:t>2018-12-26</a:t>
+              <a:t>2018-12-27</a:t>
             </a:fld>
             <a:endParaRPr lang="ko-KR" altLang="en-US"/>
           </a:p>
@@ -7326,7 +7326,7 @@
           <a:p>
             <a:fld id="{FB30EDBD-1C2D-4C1E-B459-B60219FAB484}" type="datetimeFigureOut">
               <a:rPr lang="ko-KR" altLang="en-US" smtClean="0"/>
-              <a:t>2018-12-26</a:t>
+              <a:t>2018-12-27</a:t>
             </a:fld>
             <a:endParaRPr lang="ko-KR" altLang="en-US"/>
           </a:p>
@@ -10398,7 +10398,7 @@
             <a:pPr algn="ctr"/>
             <a:r>
               <a:rPr lang="en-US" altLang="ko-KR" sz="1600"/>
-              <a:t>eBPF Program Code </a:t>
+              <a:t>eBPF Program Source Code </a:t>
             </a:r>
             <a:endParaRPr lang="ko-KR" altLang="en-US" sz="1600"/>
           </a:p>

--- a/images/theory_analysis/Linux_BPF/Linux_BPF_XDP.pptx
+++ b/images/theory_analysis/Linux_BPF/Linux_BPF_XDP.pptx
@@ -5,12 +5,13 @@
     <p:sldMasterId id="2147483648" r:id="rId1"/>
   </p:sldMasterIdLst>
   <p:notesMasterIdLst>
-    <p:notesMasterId r:id="rId5"/>
+    <p:notesMasterId r:id="rId6"/>
   </p:notesMasterIdLst>
   <p:sldIdLst>
     <p:sldId id="391" r:id="rId2"/>
     <p:sldId id="393" r:id="rId3"/>
     <p:sldId id="392" r:id="rId4"/>
+    <p:sldId id="394" r:id="rId5"/>
   </p:sldIdLst>
   <p:sldSz cx="9144000" cy="5143500" type="screen16x9"/>
   <p:notesSz cx="6858000" cy="9144000"/>
@@ -4270,7 +4271,7 @@
           <a:p>
             <a:fld id="{6CD5550B-26C4-49A9-A5BA-636EF7BE6CE9}" type="datetimeFigureOut">
               <a:rPr lang="ko-KR" altLang="en-US" smtClean="0"/>
-              <a:t>2018-12-27</a:t>
+              <a:t>2018-12-30</a:t>
             </a:fld>
             <a:endParaRPr lang="ko-KR" altLang="en-US"/>
           </a:p>
@@ -4789,6 +4790,90 @@
 </p:notes>
 </file>
 
+<file path=ppt/notesSlides/notesSlide4.xml><?xml version="1.0" encoding="utf-8"?>
+<p:notes xmlns:a="http://schemas.openxmlformats.org/drawingml/2006/main" xmlns:r="http://schemas.openxmlformats.org/officeDocument/2006/relationships" xmlns:p="http://schemas.openxmlformats.org/presentationml/2006/main">
+  <p:cSld>
+    <p:spTree>
+      <p:nvGrpSpPr>
+        <p:cNvPr id="1" name=""/>
+        <p:cNvGrpSpPr/>
+        <p:nvPr/>
+      </p:nvGrpSpPr>
+      <p:grpSpPr>
+        <a:xfrm>
+          <a:off x="0" y="0"/>
+          <a:ext cx="0" cy="0"/>
+          <a:chOff x="0" y="0"/>
+          <a:chExt cx="0" cy="0"/>
+        </a:xfrm>
+      </p:grpSpPr>
+      <p:sp>
+        <p:nvSpPr>
+          <p:cNvPr id="2" name="슬라이드 이미지 개체 틀 1"/>
+          <p:cNvSpPr>
+            <a:spLocks noGrp="1" noRot="1" noChangeAspect="1"/>
+          </p:cNvSpPr>
+          <p:nvPr>
+            <p:ph type="sldImg"/>
+          </p:nvPr>
+        </p:nvSpPr>
+        <p:spPr/>
+      </p:sp>
+      <p:sp>
+        <p:nvSpPr>
+          <p:cNvPr id="3" name="슬라이드 노트 개체 틀 2"/>
+          <p:cNvSpPr>
+            <a:spLocks noGrp="1"/>
+          </p:cNvSpPr>
+          <p:nvPr>
+            <p:ph type="body" idx="1"/>
+          </p:nvPr>
+        </p:nvSpPr>
+        <p:spPr/>
+        <p:txBody>
+          <a:bodyPr/>
+          <a:lstStyle/>
+          <a:p>
+            <a:endParaRPr lang="ko-KR" altLang="en-US" dirty="0"/>
+          </a:p>
+        </p:txBody>
+      </p:sp>
+      <p:sp>
+        <p:nvSpPr>
+          <p:cNvPr id="4" name="슬라이드 번호 개체 틀 3"/>
+          <p:cNvSpPr>
+            <a:spLocks noGrp="1"/>
+          </p:cNvSpPr>
+          <p:nvPr>
+            <p:ph type="sldNum" sz="quarter" idx="10"/>
+          </p:nvPr>
+        </p:nvSpPr>
+        <p:spPr/>
+        <p:txBody>
+          <a:bodyPr/>
+          <a:lstStyle/>
+          <a:p>
+            <a:fld id="{BA5DFA43-8D57-47FB-BC46-057616015C3B}" type="slidenum">
+              <a:rPr lang="ko-KR" altLang="en-US" smtClean="0"/>
+              <a:t>4</a:t>
+            </a:fld>
+            <a:endParaRPr lang="ko-KR" altLang="en-US"/>
+          </a:p>
+        </p:txBody>
+      </p:sp>
+    </p:spTree>
+    <p:extLst>
+      <p:ext uri="{BB962C8B-B14F-4D97-AF65-F5344CB8AC3E}">
+        <p14:creationId xmlns:p14="http://schemas.microsoft.com/office/powerpoint/2010/main" val="2377389100"/>
+      </p:ext>
+    </p:extLst>
+  </p:cSld>
+  <p:clrMapOvr>
+    <a:masterClrMapping/>
+  </p:clrMapOvr>
+</p:notes>
+</file>
+
 <file path=ppt/slideLayouts/slideLayout1.xml><?xml version="1.0" encoding="utf-8"?>
 <p:sldLayout xmlns:a="http://schemas.openxmlformats.org/drawingml/2006/main" xmlns:r="http://schemas.openxmlformats.org/officeDocument/2006/relationships" xmlns:p="http://schemas.openxmlformats.org/presentationml/2006/main" type="title" preserve="1">
   <p:cSld name="제목 슬라이드">
@@ -4968,7 +5053,7 @@
           <a:p>
             <a:fld id="{FB30EDBD-1C2D-4C1E-B459-B60219FAB484}" type="datetimeFigureOut">
               <a:rPr lang="ko-KR" altLang="en-US" smtClean="0"/>
-              <a:t>2018-12-27</a:t>
+              <a:t>2018-12-30</a:t>
             </a:fld>
             <a:endParaRPr lang="ko-KR" altLang="en-US"/>
           </a:p>
@@ -5131,7 +5216,7 @@
           <a:p>
             <a:fld id="{FB30EDBD-1C2D-4C1E-B459-B60219FAB484}" type="datetimeFigureOut">
               <a:rPr lang="ko-KR" altLang="en-US" smtClean="0"/>
-              <a:t>2018-12-27</a:t>
+              <a:t>2018-12-30</a:t>
             </a:fld>
             <a:endParaRPr lang="ko-KR" altLang="en-US"/>
           </a:p>
@@ -5304,7 +5389,7 @@
           <a:p>
             <a:fld id="{FB30EDBD-1C2D-4C1E-B459-B60219FAB484}" type="datetimeFigureOut">
               <a:rPr lang="ko-KR" altLang="en-US" smtClean="0"/>
-              <a:t>2018-12-27</a:t>
+              <a:t>2018-12-30</a:t>
             </a:fld>
             <a:endParaRPr lang="ko-KR" altLang="en-US"/>
           </a:p>
@@ -5467,7 +5552,7 @@
           <a:p>
             <a:fld id="{FB30EDBD-1C2D-4C1E-B459-B60219FAB484}" type="datetimeFigureOut">
               <a:rPr lang="ko-KR" altLang="en-US" smtClean="0"/>
-              <a:t>2018-12-27</a:t>
+              <a:t>2018-12-30</a:t>
             </a:fld>
             <a:endParaRPr lang="ko-KR" altLang="en-US"/>
           </a:p>
@@ -5707,7 +5792,7 @@
           <a:p>
             <a:fld id="{FB30EDBD-1C2D-4C1E-B459-B60219FAB484}" type="datetimeFigureOut">
               <a:rPr lang="ko-KR" altLang="en-US" smtClean="0"/>
-              <a:t>2018-12-27</a:t>
+              <a:t>2018-12-30</a:t>
             </a:fld>
             <a:endParaRPr lang="ko-KR" altLang="en-US"/>
           </a:p>
@@ -5987,7 +6072,7 @@
           <a:p>
             <a:fld id="{FB30EDBD-1C2D-4C1E-B459-B60219FAB484}" type="datetimeFigureOut">
               <a:rPr lang="ko-KR" altLang="en-US" smtClean="0"/>
-              <a:t>2018-12-27</a:t>
+              <a:t>2018-12-30</a:t>
             </a:fld>
             <a:endParaRPr lang="ko-KR" altLang="en-US"/>
           </a:p>
@@ -6401,7 +6486,7 @@
           <a:p>
             <a:fld id="{FB30EDBD-1C2D-4C1E-B459-B60219FAB484}" type="datetimeFigureOut">
               <a:rPr lang="ko-KR" altLang="en-US" smtClean="0"/>
-              <a:t>2018-12-27</a:t>
+              <a:t>2018-12-30</a:t>
             </a:fld>
             <a:endParaRPr lang="ko-KR" altLang="en-US"/>
           </a:p>
@@ -6513,7 +6598,7 @@
           <a:p>
             <a:fld id="{FB30EDBD-1C2D-4C1E-B459-B60219FAB484}" type="datetimeFigureOut">
               <a:rPr lang="ko-KR" altLang="en-US" smtClean="0"/>
-              <a:t>2018-12-27</a:t>
+              <a:t>2018-12-30</a:t>
             </a:fld>
             <a:endParaRPr lang="ko-KR" altLang="en-US"/>
           </a:p>
@@ -6603,7 +6688,7 @@
           <a:p>
             <a:fld id="{FB30EDBD-1C2D-4C1E-B459-B60219FAB484}" type="datetimeFigureOut">
               <a:rPr lang="ko-KR" altLang="en-US" smtClean="0"/>
-              <a:t>2018-12-27</a:t>
+              <a:t>2018-12-30</a:t>
             </a:fld>
             <a:endParaRPr lang="ko-KR" altLang="en-US"/>
           </a:p>
@@ -6873,7 +6958,7 @@
           <a:p>
             <a:fld id="{FB30EDBD-1C2D-4C1E-B459-B60219FAB484}" type="datetimeFigureOut">
               <a:rPr lang="ko-KR" altLang="en-US" smtClean="0"/>
-              <a:t>2018-12-27</a:t>
+              <a:t>2018-12-30</a:t>
             </a:fld>
             <a:endParaRPr lang="ko-KR" altLang="en-US"/>
           </a:p>
@@ -7120,7 +7205,7 @@
           <a:p>
             <a:fld id="{FB30EDBD-1C2D-4C1E-B459-B60219FAB484}" type="datetimeFigureOut">
               <a:rPr lang="ko-KR" altLang="en-US" smtClean="0"/>
-              <a:t>2018-12-27</a:t>
+              <a:t>2018-12-30</a:t>
             </a:fld>
             <a:endParaRPr lang="ko-KR" altLang="en-US"/>
           </a:p>
@@ -7326,7 +7411,7 @@
           <a:p>
             <a:fld id="{FB30EDBD-1C2D-4C1E-B459-B60219FAB484}" type="datetimeFigureOut">
               <a:rPr lang="ko-KR" altLang="en-US" smtClean="0"/>
-              <a:t>2018-12-27</a:t>
+              <a:t>2018-12-30</a:t>
             </a:fld>
             <a:endParaRPr lang="ko-KR" altLang="en-US"/>
           </a:p>
@@ -11378,6 +11463,384 @@
     <p:extLst>
       <p:ext uri="{BB962C8B-B14F-4D97-AF65-F5344CB8AC3E}">
         <p14:creationId xmlns:p14="http://schemas.microsoft.com/office/powerpoint/2010/main" val="1235132554"/>
+      </p:ext>
+    </p:extLst>
+  </p:cSld>
+  <p:clrMapOvr>
+    <a:masterClrMapping/>
+  </p:clrMapOvr>
+</p:sld>
+</file>
+
+<file path=ppt/slides/slide4.xml><?xml version="1.0" encoding="utf-8"?>
+<p:sld xmlns:a="http://schemas.openxmlformats.org/drawingml/2006/main" xmlns:r="http://schemas.openxmlformats.org/officeDocument/2006/relationships" xmlns:p="http://schemas.openxmlformats.org/presentationml/2006/main">
+  <p:cSld>
+    <p:spTree>
+      <p:nvGrpSpPr>
+        <p:cNvPr id="1" name=""/>
+        <p:cNvGrpSpPr/>
+        <p:nvPr/>
+      </p:nvGrpSpPr>
+      <p:grpSpPr>
+        <a:xfrm>
+          <a:off x="0" y="0"/>
+          <a:ext cx="0" cy="0"/>
+          <a:chOff x="0" y="0"/>
+          <a:chExt cx="0" cy="0"/>
+        </a:xfrm>
+      </p:grpSpPr>
+      <p:sp>
+        <p:nvSpPr>
+          <p:cNvPr id="6" name="제목 1"/>
+          <p:cNvSpPr>
+            <a:spLocks noGrp="1"/>
+          </p:cNvSpPr>
+          <p:nvPr>
+            <p:ph type="title"/>
+          </p:nvPr>
+        </p:nvSpPr>
+        <p:spPr>
+          <a:xfrm>
+            <a:off x="457200" y="-20538"/>
+            <a:ext cx="8229600" cy="857250"/>
+          </a:xfrm>
+        </p:spPr>
+        <p:txBody>
+          <a:bodyPr>
+            <a:normAutofit/>
+          </a:bodyPr>
+          <a:lstStyle/>
+          <a:p>
+            <a:r>
+              <a:rPr lang="en-US" altLang="ko-KR"/>
+              <a:t>Network Hook</a:t>
+            </a:r>
+            <a:endParaRPr lang="ko-KR" altLang="en-US" dirty="0"/>
+          </a:p>
+        </p:txBody>
+      </p:sp>
+      <p:sp>
+        <p:nvSpPr>
+          <p:cNvPr id="60" name="사각형: 둥근 모서리 59">
+            <a:extLst>
+              <a:ext uri="{FF2B5EF4-FFF2-40B4-BE49-F238E27FC236}">
+                <a16:creationId xmlns:a16="http://schemas.microsoft.com/office/drawing/2014/main" id="{46820E35-7710-49B8-ACE2-DBC3072899CA}"/>
+              </a:ext>
+            </a:extLst>
+          </p:cNvPr>
+          <p:cNvSpPr/>
+          <p:nvPr/>
+        </p:nvSpPr>
+        <p:spPr>
+          <a:xfrm>
+            <a:off x="3138453" y="3435846"/>
+            <a:ext cx="2801699" cy="524324"/>
+          </a:xfrm>
+          <a:prstGeom prst="roundRect">
+            <a:avLst>
+              <a:gd name="adj" fmla="val 10950"/>
+            </a:avLst>
+          </a:prstGeom>
+        </p:spPr>
+        <p:style>
+          <a:lnRef idx="2">
+            <a:schemeClr val="dk1"/>
+          </a:lnRef>
+          <a:fillRef idx="1">
+            <a:schemeClr val="lt1"/>
+          </a:fillRef>
+          <a:effectRef idx="0">
+            <a:schemeClr val="dk1"/>
+          </a:effectRef>
+          <a:fontRef idx="minor">
+            <a:schemeClr val="dk1"/>
+          </a:fontRef>
+        </p:style>
+        <p:txBody>
+          <a:bodyPr rtlCol="0" anchor="ctr"/>
+          <a:lstStyle/>
+          <a:p>
+            <a:pPr algn="ctr"/>
+            <a:r>
+              <a:rPr lang="en-US" altLang="ko-KR" sz="1400" b="1"/>
+              <a:t>XDP</a:t>
+            </a:r>
+            <a:endParaRPr lang="en-US" altLang="ko-KR" sz="1400"/>
+          </a:p>
+          <a:p>
+            <a:pPr algn="ctr"/>
+            <a:r>
+              <a:rPr lang="en-US" altLang="ko-KR" sz="1400"/>
+              <a:t>Net Device</a:t>
+            </a:r>
+            <a:endParaRPr lang="ko-KR" altLang="en-US" sz="1400"/>
+          </a:p>
+        </p:txBody>
+      </p:sp>
+      <p:sp>
+        <p:nvSpPr>
+          <p:cNvPr id="68" name="사각형: 둥근 모서리 67">
+            <a:extLst>
+              <a:ext uri="{FF2B5EF4-FFF2-40B4-BE49-F238E27FC236}">
+                <a16:creationId xmlns:a16="http://schemas.microsoft.com/office/drawing/2014/main" id="{0CCE84A5-B9E1-4FCA-A7F5-14E006C8BA92}"/>
+              </a:ext>
+            </a:extLst>
+          </p:cNvPr>
+          <p:cNvSpPr/>
+          <p:nvPr/>
+        </p:nvSpPr>
+        <p:spPr>
+          <a:xfrm>
+            <a:off x="3138453" y="2524623"/>
+            <a:ext cx="2801699" cy="386899"/>
+          </a:xfrm>
+          <a:prstGeom prst="roundRect">
+            <a:avLst/>
+          </a:prstGeom>
+        </p:spPr>
+        <p:style>
+          <a:lnRef idx="2">
+            <a:schemeClr val="dk1"/>
+          </a:lnRef>
+          <a:fillRef idx="1">
+            <a:schemeClr val="lt1"/>
+          </a:fillRef>
+          <a:effectRef idx="0">
+            <a:schemeClr val="dk1"/>
+          </a:effectRef>
+          <a:fontRef idx="minor">
+            <a:schemeClr val="dk1"/>
+          </a:fontRef>
+        </p:style>
+        <p:txBody>
+          <a:bodyPr rtlCol="0" anchor="ctr"/>
+          <a:lstStyle/>
+          <a:p>
+            <a:pPr algn="ctr"/>
+            <a:r>
+              <a:rPr lang="en-US" altLang="ko-KR" sz="1400"/>
+              <a:t>Netfilter</a:t>
+            </a:r>
+            <a:endParaRPr lang="ko-KR" altLang="en-US" sz="1400"/>
+          </a:p>
+        </p:txBody>
+      </p:sp>
+      <p:sp>
+        <p:nvSpPr>
+          <p:cNvPr id="69" name="사각형: 둥근 모서리 68">
+            <a:extLst>
+              <a:ext uri="{FF2B5EF4-FFF2-40B4-BE49-F238E27FC236}">
+                <a16:creationId xmlns:a16="http://schemas.microsoft.com/office/drawing/2014/main" id="{39A049EA-21D3-4DC4-845B-2E646ACB0077}"/>
+              </a:ext>
+            </a:extLst>
+          </p:cNvPr>
+          <p:cNvSpPr/>
+          <p:nvPr/>
+        </p:nvSpPr>
+        <p:spPr>
+          <a:xfrm>
+            <a:off x="3138453" y="2911522"/>
+            <a:ext cx="2801699" cy="524324"/>
+          </a:xfrm>
+          <a:prstGeom prst="roundRect">
+            <a:avLst>
+              <a:gd name="adj" fmla="val 10950"/>
+            </a:avLst>
+          </a:prstGeom>
+        </p:spPr>
+        <p:style>
+          <a:lnRef idx="2">
+            <a:schemeClr val="dk1"/>
+          </a:lnRef>
+          <a:fillRef idx="1">
+            <a:schemeClr val="lt1"/>
+          </a:fillRef>
+          <a:effectRef idx="0">
+            <a:schemeClr val="dk1"/>
+          </a:effectRef>
+          <a:fontRef idx="minor">
+            <a:schemeClr val="dk1"/>
+          </a:fontRef>
+        </p:style>
+        <p:txBody>
+          <a:bodyPr rtlCol="0" anchor="ctr"/>
+          <a:lstStyle/>
+          <a:p>
+            <a:pPr algn="ctr"/>
+            <a:r>
+              <a:rPr lang="en-US" altLang="ko-KR" sz="1400" b="1"/>
+              <a:t>Ingress / Egress</a:t>
+            </a:r>
+            <a:endParaRPr lang="en-US" altLang="ko-KR" sz="1400"/>
+          </a:p>
+          <a:p>
+            <a:pPr algn="ctr"/>
+            <a:r>
+              <a:rPr lang="en-US" altLang="ko-KR" sz="1400"/>
+              <a:t>TC (Traffic Control)</a:t>
+            </a:r>
+            <a:endParaRPr lang="ko-KR" altLang="en-US" sz="1400"/>
+          </a:p>
+        </p:txBody>
+      </p:sp>
+      <p:sp>
+        <p:nvSpPr>
+          <p:cNvPr id="71" name="사각형: 둥근 모서리 70">
+            <a:extLst>
+              <a:ext uri="{FF2B5EF4-FFF2-40B4-BE49-F238E27FC236}">
+                <a16:creationId xmlns:a16="http://schemas.microsoft.com/office/drawing/2014/main" id="{0CD8F398-B7C0-4CB3-A861-F08AFF892628}"/>
+              </a:ext>
+            </a:extLst>
+          </p:cNvPr>
+          <p:cNvSpPr/>
+          <p:nvPr/>
+        </p:nvSpPr>
+        <p:spPr>
+          <a:xfrm>
+            <a:off x="3138453" y="2139702"/>
+            <a:ext cx="2801699" cy="386899"/>
+          </a:xfrm>
+          <a:prstGeom prst="roundRect">
+            <a:avLst/>
+          </a:prstGeom>
+        </p:spPr>
+        <p:style>
+          <a:lnRef idx="2">
+            <a:schemeClr val="dk1"/>
+          </a:lnRef>
+          <a:fillRef idx="1">
+            <a:schemeClr val="lt1"/>
+          </a:fillRef>
+          <a:effectRef idx="0">
+            <a:schemeClr val="dk1"/>
+          </a:effectRef>
+          <a:fontRef idx="minor">
+            <a:schemeClr val="dk1"/>
+          </a:fontRef>
+        </p:style>
+        <p:txBody>
+          <a:bodyPr rtlCol="0" anchor="ctr"/>
+          <a:lstStyle/>
+          <a:p>
+            <a:pPr algn="ctr"/>
+            <a:r>
+              <a:rPr lang="en-US" altLang="ko-KR" sz="1400"/>
+              <a:t>TCP Stack</a:t>
+            </a:r>
+            <a:endParaRPr lang="ko-KR" altLang="en-US" sz="1400"/>
+          </a:p>
+        </p:txBody>
+      </p:sp>
+      <p:sp>
+        <p:nvSpPr>
+          <p:cNvPr id="73" name="사각형: 둥근 모서리 72">
+            <a:extLst>
+              <a:ext uri="{FF2B5EF4-FFF2-40B4-BE49-F238E27FC236}">
+                <a16:creationId xmlns:a16="http://schemas.microsoft.com/office/drawing/2014/main" id="{A6123B42-F901-4578-9220-855D1680F818}"/>
+              </a:ext>
+            </a:extLst>
+          </p:cNvPr>
+          <p:cNvSpPr/>
+          <p:nvPr/>
+        </p:nvSpPr>
+        <p:spPr>
+          <a:xfrm>
+            <a:off x="3138452" y="1624826"/>
+            <a:ext cx="2801699" cy="524324"/>
+          </a:xfrm>
+          <a:prstGeom prst="roundRect">
+            <a:avLst>
+              <a:gd name="adj" fmla="val 10950"/>
+            </a:avLst>
+          </a:prstGeom>
+        </p:spPr>
+        <p:style>
+          <a:lnRef idx="2">
+            <a:schemeClr val="dk1"/>
+          </a:lnRef>
+          <a:fillRef idx="1">
+            <a:schemeClr val="lt1"/>
+          </a:fillRef>
+          <a:effectRef idx="0">
+            <a:schemeClr val="dk1"/>
+          </a:effectRef>
+          <a:fontRef idx="minor">
+            <a:schemeClr val="dk1"/>
+          </a:fontRef>
+        </p:style>
+        <p:txBody>
+          <a:bodyPr rtlCol="0" anchor="ctr"/>
+          <a:lstStyle/>
+          <a:p>
+            <a:pPr algn="ctr"/>
+            <a:r>
+              <a:rPr lang="en-US" altLang="ko-KR" sz="1400" b="1"/>
+              <a:t>Filter</a:t>
+            </a:r>
+            <a:endParaRPr lang="en-US" altLang="ko-KR" sz="1400"/>
+          </a:p>
+          <a:p>
+            <a:pPr algn="ctr"/>
+            <a:r>
+              <a:rPr lang="en-US" altLang="ko-KR" sz="1400"/>
+              <a:t>Socket</a:t>
+            </a:r>
+            <a:endParaRPr lang="ko-KR" altLang="en-US" sz="1400"/>
+          </a:p>
+        </p:txBody>
+      </p:sp>
+      <p:sp>
+        <p:nvSpPr>
+          <p:cNvPr id="75" name="사각형: 둥근 모서리 74">
+            <a:extLst>
+              <a:ext uri="{FF2B5EF4-FFF2-40B4-BE49-F238E27FC236}">
+                <a16:creationId xmlns:a16="http://schemas.microsoft.com/office/drawing/2014/main" id="{FC50A881-8856-4345-B35B-B630E744E42A}"/>
+              </a:ext>
+            </a:extLst>
+          </p:cNvPr>
+          <p:cNvSpPr/>
+          <p:nvPr/>
+        </p:nvSpPr>
+        <p:spPr>
+          <a:xfrm>
+            <a:off x="3138452" y="1237927"/>
+            <a:ext cx="2801699" cy="386899"/>
+          </a:xfrm>
+          <a:prstGeom prst="roundRect">
+            <a:avLst/>
+          </a:prstGeom>
+        </p:spPr>
+        <p:style>
+          <a:lnRef idx="2">
+            <a:schemeClr val="dk1"/>
+          </a:lnRef>
+          <a:fillRef idx="1">
+            <a:schemeClr val="lt1"/>
+          </a:fillRef>
+          <a:effectRef idx="0">
+            <a:schemeClr val="dk1"/>
+          </a:effectRef>
+          <a:fontRef idx="minor">
+            <a:schemeClr val="dk1"/>
+          </a:fontRef>
+        </p:style>
+        <p:txBody>
+          <a:bodyPr rtlCol="0" anchor="ctr"/>
+          <a:lstStyle/>
+          <a:p>
+            <a:pPr algn="ctr"/>
+            <a:r>
+              <a:rPr lang="en-US" altLang="ko-KR" sz="1400"/>
+              <a:t>Application</a:t>
+            </a:r>
+            <a:endParaRPr lang="ko-KR" altLang="en-US" sz="1400"/>
+          </a:p>
+        </p:txBody>
+      </p:sp>
+    </p:spTree>
+    <p:extLst>
+      <p:ext uri="{BB962C8B-B14F-4D97-AF65-F5344CB8AC3E}">
+        <p14:creationId xmlns:p14="http://schemas.microsoft.com/office/powerpoint/2010/main" val="1662926312"/>
       </p:ext>
     </p:extLst>
   </p:cSld>

--- a/images/theory_analysis/Linux_BPF/Linux_BPF_XDP.pptx
+++ b/images/theory_analysis/Linux_BPF/Linux_BPF_XDP.pptx
@@ -11513,7 +11513,7 @@
           <a:p>
             <a:r>
               <a:rPr lang="en-US" altLang="ko-KR"/>
-              <a:t>Network Hook</a:t>
+              <a:t>Network Type</a:t>
             </a:r>
             <a:endParaRPr lang="ko-KR" altLang="en-US" dirty="0"/>
           </a:p>
@@ -11533,8 +11533,8 @@
         </p:nvSpPr>
         <p:spPr>
           <a:xfrm>
-            <a:off x="3138453" y="3435846"/>
-            <a:ext cx="2801699" cy="524324"/>
+            <a:off x="2627785" y="3435846"/>
+            <a:ext cx="3823036" cy="524324"/>
           </a:xfrm>
           <a:prstGeom prst="roundRect">
             <a:avLst>
@@ -11563,15 +11563,15 @@
             <a:pPr algn="ctr"/>
             <a:r>
               <a:rPr lang="en-US" altLang="ko-KR" sz="1400" b="1"/>
-              <a:t>XDP</a:t>
+              <a:t>XDP (eBPF)</a:t>
             </a:r>
-            <a:endParaRPr lang="en-US" altLang="ko-KR" sz="1400"/>
+            <a:endParaRPr lang="en-US" altLang="ko-KR" sz="1200" b="1"/>
           </a:p>
           <a:p>
             <a:pPr algn="ctr"/>
             <a:r>
               <a:rPr lang="en-US" altLang="ko-KR" sz="1400"/>
-              <a:t>Net Device</a:t>
+              <a:t>Device Driver</a:t>
             </a:r>
             <a:endParaRPr lang="ko-KR" altLang="en-US" sz="1400"/>
           </a:p>
@@ -11591,8 +11591,8 @@
         </p:nvSpPr>
         <p:spPr>
           <a:xfrm>
-            <a:off x="3138453" y="2524623"/>
-            <a:ext cx="2801699" cy="386899"/>
+            <a:off x="2627785" y="2524623"/>
+            <a:ext cx="3823036" cy="386899"/>
           </a:xfrm>
           <a:prstGeom prst="roundRect">
             <a:avLst/>
@@ -11639,8 +11639,8 @@
         </p:nvSpPr>
         <p:spPr>
           <a:xfrm>
-            <a:off x="3138453" y="2911522"/>
-            <a:ext cx="2801699" cy="524324"/>
+            <a:off x="2627785" y="2911522"/>
+            <a:ext cx="3823036" cy="524324"/>
           </a:xfrm>
           <a:prstGeom prst="roundRect">
             <a:avLst>
@@ -11669,9 +11669,8 @@
             <a:pPr algn="ctr"/>
             <a:r>
               <a:rPr lang="en-US" altLang="ko-KR" sz="1400" b="1"/>
-              <a:t>Ingress / Egress</a:t>
+              <a:t>SCHED_CLS / SCHED_ACT (cBPF, eBPF)</a:t>
             </a:r>
-            <a:endParaRPr lang="en-US" altLang="ko-KR" sz="1400"/>
           </a:p>
           <a:p>
             <a:pPr algn="ctr"/>
@@ -11697,8 +11696,8 @@
         </p:nvSpPr>
         <p:spPr>
           <a:xfrm>
-            <a:off x="3138453" y="2139702"/>
-            <a:ext cx="2801699" cy="386899"/>
+            <a:off x="2627785" y="2139702"/>
+            <a:ext cx="3823036" cy="386899"/>
           </a:xfrm>
           <a:prstGeom prst="roundRect">
             <a:avLst/>
@@ -11745,8 +11744,8 @@
         </p:nvSpPr>
         <p:spPr>
           <a:xfrm>
-            <a:off x="3138452" y="1624826"/>
-            <a:ext cx="2801699" cy="524324"/>
+            <a:off x="2627784" y="1624826"/>
+            <a:ext cx="3823036" cy="524324"/>
           </a:xfrm>
           <a:prstGeom prst="roundRect">
             <a:avLst>
@@ -11775,9 +11774,8 @@
             <a:pPr algn="ctr"/>
             <a:r>
               <a:rPr lang="en-US" altLang="ko-KR" sz="1400" b="1"/>
-              <a:t>Filter</a:t>
+              <a:t>SOCKET_FILTER (cBPF, eBPF)</a:t>
             </a:r>
-            <a:endParaRPr lang="en-US" altLang="ko-KR" sz="1400"/>
           </a:p>
           <a:p>
             <a:pPr algn="ctr"/>
@@ -11803,8 +11801,8 @@
         </p:nvSpPr>
         <p:spPr>
           <a:xfrm>
-            <a:off x="3138452" y="1237927"/>
-            <a:ext cx="2801699" cy="386899"/>
+            <a:off x="2627784" y="1237927"/>
+            <a:ext cx="3823036" cy="386899"/>
           </a:xfrm>
           <a:prstGeom prst="roundRect">
             <a:avLst/>
@@ -11832,6 +11830,54 @@
             <a:r>
               <a:rPr lang="en-US" altLang="ko-KR" sz="1400"/>
               <a:t>Application</a:t>
+            </a:r>
+            <a:endParaRPr lang="ko-KR" altLang="en-US" sz="1400"/>
+          </a:p>
+        </p:txBody>
+      </p:sp>
+      <p:sp>
+        <p:nvSpPr>
+          <p:cNvPr id="10" name="사각형: 둥근 모서리 9">
+            <a:extLst>
+              <a:ext uri="{FF2B5EF4-FFF2-40B4-BE49-F238E27FC236}">
+                <a16:creationId xmlns:a16="http://schemas.microsoft.com/office/drawing/2014/main" id="{0BB6EB18-D3BD-4313-87BF-55A0EAC2FEDF}"/>
+              </a:ext>
+            </a:extLst>
+          </p:cNvPr>
+          <p:cNvSpPr/>
+          <p:nvPr/>
+        </p:nvSpPr>
+        <p:spPr>
+          <a:xfrm>
+            <a:off x="2627785" y="3960170"/>
+            <a:ext cx="3823036" cy="386899"/>
+          </a:xfrm>
+          <a:prstGeom prst="roundRect">
+            <a:avLst/>
+          </a:prstGeom>
+        </p:spPr>
+        <p:style>
+          <a:lnRef idx="2">
+            <a:schemeClr val="dk1"/>
+          </a:lnRef>
+          <a:fillRef idx="1">
+            <a:schemeClr val="lt1"/>
+          </a:fillRef>
+          <a:effectRef idx="0">
+            <a:schemeClr val="dk1"/>
+          </a:effectRef>
+          <a:fontRef idx="minor">
+            <a:schemeClr val="dk1"/>
+          </a:fontRef>
+        </p:style>
+        <p:txBody>
+          <a:bodyPr rtlCol="0" anchor="ctr"/>
+          <a:lstStyle/>
+          <a:p>
+            <a:pPr algn="ctr"/>
+            <a:r>
+              <a:rPr lang="en-US" altLang="ko-KR" sz="1400"/>
+              <a:t>Net Device</a:t>
             </a:r>
             <a:endParaRPr lang="ko-KR" altLang="en-US" sz="1400"/>
           </a:p>

--- a/images/theory_analysis/Linux_BPF/Linux_BPF_XDP.pptx
+++ b/images/theory_analysis/Linux_BPF/Linux_BPF_XDP.pptx
@@ -4271,7 +4271,7 @@
           <a:p>
             <a:fld id="{6CD5550B-26C4-49A9-A5BA-636EF7BE6CE9}" type="datetimeFigureOut">
               <a:rPr lang="ko-KR" altLang="en-US" smtClean="0"/>
-              <a:t>2018-12-30</a:t>
+              <a:t>2019-03-23</a:t>
             </a:fld>
             <a:endParaRPr lang="ko-KR" altLang="en-US"/>
           </a:p>
@@ -4582,7 +4582,7 @@
           <a:bodyPr/>
           <a:lstStyle/>
           <a:p>
-            <a:endParaRPr lang="ko-KR" altLang="en-US" dirty="0"/>
+            <a:endParaRPr lang="ko-KR" altLang="en-US"/>
           </a:p>
         </p:txBody>
       </p:sp>
@@ -4666,7 +4666,7 @@
           <a:bodyPr/>
           <a:lstStyle/>
           <a:p>
-            <a:endParaRPr lang="ko-KR" altLang="en-US" dirty="0"/>
+            <a:endParaRPr lang="ko-KR" altLang="en-US"/>
           </a:p>
         </p:txBody>
       </p:sp>
@@ -4750,7 +4750,7 @@
           <a:bodyPr/>
           <a:lstStyle/>
           <a:p>
-            <a:endParaRPr lang="ko-KR" altLang="en-US" dirty="0"/>
+            <a:endParaRPr lang="ko-KR" altLang="en-US"/>
           </a:p>
         </p:txBody>
       </p:sp>
@@ -4834,7 +4834,7 @@
           <a:bodyPr/>
           <a:lstStyle/>
           <a:p>
-            <a:endParaRPr lang="ko-KR" altLang="en-US" dirty="0"/>
+            <a:endParaRPr lang="ko-KR" altLang="en-US"/>
           </a:p>
         </p:txBody>
       </p:sp>
@@ -5053,7 +5053,7 @@
           <a:p>
             <a:fld id="{FB30EDBD-1C2D-4C1E-B459-B60219FAB484}" type="datetimeFigureOut">
               <a:rPr lang="ko-KR" altLang="en-US" smtClean="0"/>
-              <a:t>2018-12-30</a:t>
+              <a:t>2019-03-23</a:t>
             </a:fld>
             <a:endParaRPr lang="ko-KR" altLang="en-US"/>
           </a:p>
@@ -5216,7 +5216,7 @@
           <a:p>
             <a:fld id="{FB30EDBD-1C2D-4C1E-B459-B60219FAB484}" type="datetimeFigureOut">
               <a:rPr lang="ko-KR" altLang="en-US" smtClean="0"/>
-              <a:t>2018-12-30</a:t>
+              <a:t>2019-03-23</a:t>
             </a:fld>
             <a:endParaRPr lang="ko-KR" altLang="en-US"/>
           </a:p>
@@ -5389,7 +5389,7 @@
           <a:p>
             <a:fld id="{FB30EDBD-1C2D-4C1E-B459-B60219FAB484}" type="datetimeFigureOut">
               <a:rPr lang="ko-KR" altLang="en-US" smtClean="0"/>
-              <a:t>2018-12-30</a:t>
+              <a:t>2019-03-23</a:t>
             </a:fld>
             <a:endParaRPr lang="ko-KR" altLang="en-US"/>
           </a:p>
@@ -5552,7 +5552,7 @@
           <a:p>
             <a:fld id="{FB30EDBD-1C2D-4C1E-B459-B60219FAB484}" type="datetimeFigureOut">
               <a:rPr lang="ko-KR" altLang="en-US" smtClean="0"/>
-              <a:t>2018-12-30</a:t>
+              <a:t>2019-03-23</a:t>
             </a:fld>
             <a:endParaRPr lang="ko-KR" altLang="en-US"/>
           </a:p>
@@ -5792,7 +5792,7 @@
           <a:p>
             <a:fld id="{FB30EDBD-1C2D-4C1E-B459-B60219FAB484}" type="datetimeFigureOut">
               <a:rPr lang="ko-KR" altLang="en-US" smtClean="0"/>
-              <a:t>2018-12-30</a:t>
+              <a:t>2019-03-23</a:t>
             </a:fld>
             <a:endParaRPr lang="ko-KR" altLang="en-US"/>
           </a:p>
@@ -6072,7 +6072,7 @@
           <a:p>
             <a:fld id="{FB30EDBD-1C2D-4C1E-B459-B60219FAB484}" type="datetimeFigureOut">
               <a:rPr lang="ko-KR" altLang="en-US" smtClean="0"/>
-              <a:t>2018-12-30</a:t>
+              <a:t>2019-03-23</a:t>
             </a:fld>
             <a:endParaRPr lang="ko-KR" altLang="en-US"/>
           </a:p>
@@ -6486,7 +6486,7 @@
           <a:p>
             <a:fld id="{FB30EDBD-1C2D-4C1E-B459-B60219FAB484}" type="datetimeFigureOut">
               <a:rPr lang="ko-KR" altLang="en-US" smtClean="0"/>
-              <a:t>2018-12-30</a:t>
+              <a:t>2019-03-23</a:t>
             </a:fld>
             <a:endParaRPr lang="ko-KR" altLang="en-US"/>
           </a:p>
@@ -6598,7 +6598,7 @@
           <a:p>
             <a:fld id="{FB30EDBD-1C2D-4C1E-B459-B60219FAB484}" type="datetimeFigureOut">
               <a:rPr lang="ko-KR" altLang="en-US" smtClean="0"/>
-              <a:t>2018-12-30</a:t>
+              <a:t>2019-03-23</a:t>
             </a:fld>
             <a:endParaRPr lang="ko-KR" altLang="en-US"/>
           </a:p>
@@ -6688,7 +6688,7 @@
           <a:p>
             <a:fld id="{FB30EDBD-1C2D-4C1E-B459-B60219FAB484}" type="datetimeFigureOut">
               <a:rPr lang="ko-KR" altLang="en-US" smtClean="0"/>
-              <a:t>2018-12-30</a:t>
+              <a:t>2019-03-23</a:t>
             </a:fld>
             <a:endParaRPr lang="ko-KR" altLang="en-US"/>
           </a:p>
@@ -6958,7 +6958,7 @@
           <a:p>
             <a:fld id="{FB30EDBD-1C2D-4C1E-B459-B60219FAB484}" type="datetimeFigureOut">
               <a:rPr lang="ko-KR" altLang="en-US" smtClean="0"/>
-              <a:t>2018-12-30</a:t>
+              <a:t>2019-03-23</a:t>
             </a:fld>
             <a:endParaRPr lang="ko-KR" altLang="en-US"/>
           </a:p>
@@ -7205,7 +7205,7 @@
           <a:p>
             <a:fld id="{FB30EDBD-1C2D-4C1E-B459-B60219FAB484}" type="datetimeFigureOut">
               <a:rPr lang="ko-KR" altLang="en-US" smtClean="0"/>
-              <a:t>2018-12-30</a:t>
+              <a:t>2019-03-23</a:t>
             </a:fld>
             <a:endParaRPr lang="ko-KR" altLang="en-US"/>
           </a:p>
@@ -7411,7 +7411,7 @@
           <a:p>
             <a:fld id="{FB30EDBD-1C2D-4C1E-B459-B60219FAB484}" type="datetimeFigureOut">
               <a:rPr lang="ko-KR" altLang="en-US" smtClean="0"/>
-              <a:t>2018-12-30</a:t>
+              <a:t>2019-03-23</a:t>
             </a:fld>
             <a:endParaRPr lang="ko-KR" altLang="en-US"/>
           </a:p>
@@ -7807,7 +7807,7 @@
               <a:rPr lang="en-US" altLang="ko-KR"/>
               <a:t>cBPF, eBPF</a:t>
             </a:r>
-            <a:endParaRPr lang="ko-KR" altLang="en-US" dirty="0"/>
+            <a:endParaRPr lang="ko-KR" altLang="en-US"/>
           </a:p>
         </p:txBody>
       </p:sp>
@@ -10260,7 +10260,7 @@
               <a:rPr lang="en-US" altLang="ko-KR"/>
               <a:t>Compile, bpf()</a:t>
             </a:r>
-            <a:endParaRPr lang="ko-KR" altLang="en-US" dirty="0"/>
+            <a:endParaRPr lang="ko-KR" altLang="en-US"/>
           </a:p>
         </p:txBody>
       </p:sp>
@@ -11248,7 +11248,7 @@
               <a:rPr lang="en-US" altLang="ko-KR"/>
               <a:t>BPF Hook</a:t>
             </a:r>
-            <a:endParaRPr lang="ko-KR" altLang="en-US" dirty="0"/>
+            <a:endParaRPr lang="ko-KR" altLang="en-US"/>
           </a:p>
         </p:txBody>
       </p:sp>
@@ -11515,7 +11515,7 @@
               <a:rPr lang="en-US" altLang="ko-KR"/>
               <a:t>Network Type</a:t>
             </a:r>
-            <a:endParaRPr lang="ko-KR" altLang="en-US" dirty="0"/>
+            <a:endParaRPr lang="ko-KR" altLang="en-US"/>
           </a:p>
         </p:txBody>
       </p:sp>
@@ -11533,7 +11533,7 @@
         </p:nvSpPr>
         <p:spPr>
           <a:xfrm>
-            <a:off x="2627785" y="3435846"/>
+            <a:off x="2267745" y="3500384"/>
             <a:ext cx="3823036" cy="524324"/>
           </a:xfrm>
           <a:prstGeom prst="roundRect">
@@ -11563,7 +11563,7 @@
             <a:pPr algn="ctr"/>
             <a:r>
               <a:rPr lang="en-US" altLang="ko-KR" sz="1400" b="1"/>
-              <a:t>XDP (eBPF)</a:t>
+              <a:t>Native XDP (eBPF)</a:t>
             </a:r>
             <a:endParaRPr lang="en-US" altLang="ko-KR" sz="1200" b="1"/>
           </a:p>
@@ -11591,7 +11591,7 @@
         </p:nvSpPr>
         <p:spPr>
           <a:xfrm>
-            <a:off x="2627785" y="2524623"/>
+            <a:off x="2267745" y="2202262"/>
             <a:ext cx="3823036" cy="386899"/>
           </a:xfrm>
           <a:prstGeom prst="roundRect">
@@ -11639,7 +11639,7 @@
         </p:nvSpPr>
         <p:spPr>
           <a:xfrm>
-            <a:off x="2627785" y="2911522"/>
+            <a:off x="2267745" y="2589161"/>
             <a:ext cx="3823036" cy="524324"/>
           </a:xfrm>
           <a:prstGeom prst="roundRect">
@@ -11668,17 +11668,17 @@
           <a:p>
             <a:pPr algn="ctr"/>
             <a:r>
+              <a:rPr lang="en-US" altLang="ko-KR" sz="1400"/>
+              <a:t>TC (Traffic Control)</a:t>
+            </a:r>
+            <a:endParaRPr lang="en-US" altLang="ko-KR" sz="1400" b="1"/>
+          </a:p>
+          <a:p>
+            <a:pPr algn="ctr"/>
+            <a:r>
               <a:rPr lang="en-US" altLang="ko-KR" sz="1400" b="1"/>
               <a:t>SCHED_CLS / SCHED_ACT (cBPF, eBPF)</a:t>
             </a:r>
-          </a:p>
-          <a:p>
-            <a:pPr algn="ctr"/>
-            <a:r>
-              <a:rPr lang="en-US" altLang="ko-KR" sz="1400"/>
-              <a:t>TC (Traffic Control)</a:t>
-            </a:r>
-            <a:endParaRPr lang="ko-KR" altLang="en-US" sz="1400"/>
           </a:p>
         </p:txBody>
       </p:sp>
@@ -11696,7 +11696,7 @@
         </p:nvSpPr>
         <p:spPr>
           <a:xfrm>
-            <a:off x="2627785" y="2139702"/>
+            <a:off x="2267745" y="1817341"/>
             <a:ext cx="3823036" cy="386899"/>
           </a:xfrm>
           <a:prstGeom prst="roundRect">
@@ -11744,7 +11744,7 @@
         </p:nvSpPr>
         <p:spPr>
           <a:xfrm>
-            <a:off x="2627784" y="1624826"/>
+            <a:off x="2267744" y="1302465"/>
             <a:ext cx="3823036" cy="524324"/>
           </a:xfrm>
           <a:prstGeom prst="roundRect">
@@ -11773,17 +11773,16 @@
           <a:p>
             <a:pPr algn="ctr"/>
             <a:r>
+              <a:rPr lang="en-US" altLang="ko-KR" sz="1400"/>
+              <a:t>Socket</a:t>
+            </a:r>
+          </a:p>
+          <a:p>
+            <a:pPr algn="ctr"/>
+            <a:r>
               <a:rPr lang="en-US" altLang="ko-KR" sz="1400" b="1"/>
               <a:t>SOCKET_FILTER (cBPF, eBPF)</a:t>
             </a:r>
-          </a:p>
-          <a:p>
-            <a:pPr algn="ctr"/>
-            <a:r>
-              <a:rPr lang="en-US" altLang="ko-KR" sz="1400"/>
-              <a:t>Socket</a:t>
-            </a:r>
-            <a:endParaRPr lang="ko-KR" altLang="en-US" sz="1400"/>
           </a:p>
         </p:txBody>
       </p:sp>
@@ -11801,7 +11800,7 @@
         </p:nvSpPr>
         <p:spPr>
           <a:xfrm>
-            <a:off x="2627784" y="1237927"/>
+            <a:off x="2267744" y="915566"/>
             <a:ext cx="3823036" cy="386899"/>
           </a:xfrm>
           <a:prstGeom prst="roundRect">
@@ -11849,7 +11848,7 @@
         </p:nvSpPr>
         <p:spPr>
           <a:xfrm>
-            <a:off x="2627785" y="3960170"/>
+            <a:off x="2267745" y="4024708"/>
             <a:ext cx="3823036" cy="386899"/>
           </a:xfrm>
           <a:prstGeom prst="roundRect">
@@ -11877,12 +11876,298 @@
             <a:pPr algn="ctr"/>
             <a:r>
               <a:rPr lang="en-US" altLang="ko-KR" sz="1400"/>
-              <a:t>Net Device</a:t>
+              <a:t>Network Device</a:t>
             </a:r>
             <a:endParaRPr lang="ko-KR" altLang="en-US" sz="1400"/>
           </a:p>
         </p:txBody>
       </p:sp>
+      <p:sp>
+        <p:nvSpPr>
+          <p:cNvPr id="11" name="사각형: 둥근 모서리 10">
+            <a:extLst>
+              <a:ext uri="{FF2B5EF4-FFF2-40B4-BE49-F238E27FC236}">
+                <a16:creationId xmlns:a16="http://schemas.microsoft.com/office/drawing/2014/main" id="{4C91BF75-682A-4A78-B36D-8F6D4A15993D}"/>
+              </a:ext>
+            </a:extLst>
+          </p:cNvPr>
+          <p:cNvSpPr/>
+          <p:nvPr/>
+        </p:nvSpPr>
+        <p:spPr>
+          <a:xfrm>
+            <a:off x="2267745" y="3113485"/>
+            <a:ext cx="3823036" cy="386899"/>
+          </a:xfrm>
+          <a:prstGeom prst="roundRect">
+            <a:avLst/>
+          </a:prstGeom>
+        </p:spPr>
+        <p:style>
+          <a:lnRef idx="2">
+            <a:schemeClr val="dk1"/>
+          </a:lnRef>
+          <a:fillRef idx="1">
+            <a:schemeClr val="lt1"/>
+          </a:fillRef>
+          <a:effectRef idx="0">
+            <a:schemeClr val="dk1"/>
+          </a:effectRef>
+          <a:fontRef idx="minor">
+            <a:schemeClr val="dk1"/>
+          </a:fontRef>
+        </p:style>
+        <p:txBody>
+          <a:bodyPr rtlCol="0" anchor="ctr"/>
+          <a:lstStyle/>
+          <a:p>
+            <a:pPr algn="ctr"/>
+            <a:r>
+              <a:rPr lang="en-US" altLang="ko-KR" sz="1400" b="1"/>
+              <a:t>Generic XDP (eBPF)</a:t>
+            </a:r>
+            <a:endParaRPr lang="ko-KR" altLang="en-US" sz="1400" b="1"/>
+          </a:p>
+        </p:txBody>
+      </p:sp>
+      <p:cxnSp>
+        <p:nvCxnSpPr>
+          <p:cNvPr id="4" name="직선 연결선 3">
+            <a:extLst>
+              <a:ext uri="{FF2B5EF4-FFF2-40B4-BE49-F238E27FC236}">
+                <a16:creationId xmlns:a16="http://schemas.microsoft.com/office/drawing/2014/main" id="{1B80F7B2-CCB8-463B-AA3D-0ADC13F3FF28}"/>
+              </a:ext>
+            </a:extLst>
+          </p:cNvPr>
+          <p:cNvCxnSpPr>
+            <a:cxnSpLocks/>
+          </p:cNvCxnSpPr>
+          <p:nvPr/>
+        </p:nvCxnSpPr>
+        <p:spPr>
+          <a:xfrm>
+            <a:off x="5868144" y="4021533"/>
+            <a:ext cx="1080120" cy="0"/>
+          </a:xfrm>
+          <a:prstGeom prst="line">
+            <a:avLst/>
+          </a:prstGeom>
+          <a:ln w="19050">
+            <a:prstDash val="dash"/>
+          </a:ln>
+        </p:spPr>
+        <p:style>
+          <a:lnRef idx="1">
+            <a:schemeClr val="dk1"/>
+          </a:lnRef>
+          <a:fillRef idx="0">
+            <a:schemeClr val="dk1"/>
+          </a:fillRef>
+          <a:effectRef idx="0">
+            <a:schemeClr val="dk1"/>
+          </a:effectRef>
+          <a:fontRef idx="minor">
+            <a:schemeClr val="tx1"/>
+          </a:fontRef>
+        </p:style>
+      </p:cxnSp>
+      <p:sp>
+        <p:nvSpPr>
+          <p:cNvPr id="7" name="TextBox 6">
+            <a:extLst>
+              <a:ext uri="{FF2B5EF4-FFF2-40B4-BE49-F238E27FC236}">
+                <a16:creationId xmlns:a16="http://schemas.microsoft.com/office/drawing/2014/main" id="{7D087DE8-2C3F-4F65-8C61-684F8937C2AC}"/>
+              </a:ext>
+            </a:extLst>
+          </p:cNvPr>
+          <p:cNvSpPr txBox="1"/>
+          <p:nvPr/>
+        </p:nvSpPr>
+        <p:spPr>
+          <a:xfrm>
+            <a:off x="6146749" y="3577880"/>
+            <a:ext cx="720080" cy="369332"/>
+          </a:xfrm>
+          <a:prstGeom prst="rect">
+            <a:avLst/>
+          </a:prstGeom>
+          <a:noFill/>
+        </p:spPr>
+        <p:txBody>
+          <a:bodyPr wrap="square" rtlCol="0" anchor="ctr">
+            <a:spAutoFit/>
+          </a:bodyPr>
+          <a:lstStyle/>
+          <a:p>
+            <a:pPr algn="ctr"/>
+            <a:r>
+              <a:rPr lang="en-US" altLang="ko-KR"/>
+              <a:t>L2</a:t>
+            </a:r>
+            <a:endParaRPr lang="ko-KR" altLang="en-US"/>
+          </a:p>
+        </p:txBody>
+      </p:sp>
+      <p:cxnSp>
+        <p:nvCxnSpPr>
+          <p:cNvPr id="17" name="직선 연결선 16">
+            <a:extLst>
+              <a:ext uri="{FF2B5EF4-FFF2-40B4-BE49-F238E27FC236}">
+                <a16:creationId xmlns:a16="http://schemas.microsoft.com/office/drawing/2014/main" id="{CE915305-094B-4C21-AFF1-BAC79B06F308}"/>
+              </a:ext>
+            </a:extLst>
+          </p:cNvPr>
+          <p:cNvCxnSpPr>
+            <a:cxnSpLocks/>
+          </p:cNvCxnSpPr>
+          <p:nvPr/>
+        </p:nvCxnSpPr>
+        <p:spPr>
+          <a:xfrm>
+            <a:off x="5868144" y="3500384"/>
+            <a:ext cx="1080120" cy="0"/>
+          </a:xfrm>
+          <a:prstGeom prst="line">
+            <a:avLst/>
+          </a:prstGeom>
+          <a:ln w="19050">
+            <a:prstDash val="dash"/>
+          </a:ln>
+        </p:spPr>
+        <p:style>
+          <a:lnRef idx="1">
+            <a:schemeClr val="dk1"/>
+          </a:lnRef>
+          <a:fillRef idx="0">
+            <a:schemeClr val="dk1"/>
+          </a:fillRef>
+          <a:effectRef idx="0">
+            <a:schemeClr val="dk1"/>
+          </a:effectRef>
+          <a:fontRef idx="minor">
+            <a:schemeClr val="tx1"/>
+          </a:fontRef>
+        </p:style>
+      </p:cxnSp>
+      <p:cxnSp>
+        <p:nvCxnSpPr>
+          <p:cNvPr id="18" name="직선 연결선 17">
+            <a:extLst>
+              <a:ext uri="{FF2B5EF4-FFF2-40B4-BE49-F238E27FC236}">
+                <a16:creationId xmlns:a16="http://schemas.microsoft.com/office/drawing/2014/main" id="{854C36DC-04AB-44EF-B2A9-130F778AA1D7}"/>
+              </a:ext>
+            </a:extLst>
+          </p:cNvPr>
+          <p:cNvCxnSpPr>
+            <a:cxnSpLocks/>
+          </p:cNvCxnSpPr>
+          <p:nvPr/>
+        </p:nvCxnSpPr>
+        <p:spPr>
+          <a:xfrm>
+            <a:off x="5868144" y="3500385"/>
+            <a:ext cx="1080120" cy="0"/>
+          </a:xfrm>
+          <a:prstGeom prst="line">
+            <a:avLst/>
+          </a:prstGeom>
+          <a:ln w="19050">
+            <a:prstDash val="dash"/>
+          </a:ln>
+        </p:spPr>
+        <p:style>
+          <a:lnRef idx="1">
+            <a:schemeClr val="dk1"/>
+          </a:lnRef>
+          <a:fillRef idx="0">
+            <a:schemeClr val="dk1"/>
+          </a:fillRef>
+          <a:effectRef idx="0">
+            <a:schemeClr val="dk1"/>
+          </a:effectRef>
+          <a:fontRef idx="minor">
+            <a:schemeClr val="tx1"/>
+          </a:fontRef>
+        </p:style>
+      </p:cxnSp>
+      <p:sp>
+        <p:nvSpPr>
+          <p:cNvPr id="19" name="TextBox 18">
+            <a:extLst>
+              <a:ext uri="{FF2B5EF4-FFF2-40B4-BE49-F238E27FC236}">
+                <a16:creationId xmlns:a16="http://schemas.microsoft.com/office/drawing/2014/main" id="{C743A926-452C-4970-86AB-3C9A9BE68905}"/>
+              </a:ext>
+            </a:extLst>
+          </p:cNvPr>
+          <p:cNvSpPr txBox="1"/>
+          <p:nvPr/>
+        </p:nvSpPr>
+        <p:spPr>
+          <a:xfrm>
+            <a:off x="6146749" y="2543899"/>
+            <a:ext cx="720080" cy="369332"/>
+          </a:xfrm>
+          <a:prstGeom prst="rect">
+            <a:avLst/>
+          </a:prstGeom>
+          <a:noFill/>
+        </p:spPr>
+        <p:txBody>
+          <a:bodyPr wrap="square" rtlCol="0" anchor="ctr">
+            <a:spAutoFit/>
+          </a:bodyPr>
+          <a:lstStyle/>
+          <a:p>
+            <a:pPr algn="ctr"/>
+            <a:r>
+              <a:rPr lang="en-US" altLang="ko-KR"/>
+              <a:t>L3</a:t>
+            </a:r>
+            <a:endParaRPr lang="ko-KR" altLang="en-US"/>
+          </a:p>
+        </p:txBody>
+      </p:sp>
+      <p:cxnSp>
+        <p:nvCxnSpPr>
+          <p:cNvPr id="20" name="직선 연결선 19">
+            <a:extLst>
+              <a:ext uri="{FF2B5EF4-FFF2-40B4-BE49-F238E27FC236}">
+                <a16:creationId xmlns:a16="http://schemas.microsoft.com/office/drawing/2014/main" id="{E4E37724-189F-4942-A239-F7D547630424}"/>
+              </a:ext>
+            </a:extLst>
+          </p:cNvPr>
+          <p:cNvCxnSpPr>
+            <a:cxnSpLocks/>
+          </p:cNvCxnSpPr>
+          <p:nvPr/>
+        </p:nvCxnSpPr>
+        <p:spPr>
+          <a:xfrm>
+            <a:off x="5868144" y="1817341"/>
+            <a:ext cx="1080120" cy="0"/>
+          </a:xfrm>
+          <a:prstGeom prst="line">
+            <a:avLst/>
+          </a:prstGeom>
+          <a:ln w="19050">
+            <a:prstDash val="dash"/>
+          </a:ln>
+        </p:spPr>
+        <p:style>
+          <a:lnRef idx="1">
+            <a:schemeClr val="dk1"/>
+          </a:lnRef>
+          <a:fillRef idx="0">
+            <a:schemeClr val="dk1"/>
+          </a:fillRef>
+          <a:effectRef idx="0">
+            <a:schemeClr val="dk1"/>
+          </a:effectRef>
+          <a:fontRef idx="minor">
+            <a:schemeClr val="tx1"/>
+          </a:fontRef>
+        </p:style>
+      </p:cxnSp>
     </p:spTree>
     <p:extLst>
       <p:ext uri="{BB962C8B-B14F-4D97-AF65-F5344CB8AC3E}">
